--- a/docs/20190327_주제 제안서/0327 논문 제안서_final.pptx
+++ b/docs/20190327_주제 제안서/0327 논문 제안서_final.pptx
@@ -16,12 +16,12 @@
     <p:sldId id="384" r:id="rId7"/>
     <p:sldId id="385" r:id="rId8"/>
     <p:sldId id="386" r:id="rId9"/>
-    <p:sldId id="387" r:id="rId10"/>
-    <p:sldId id="388" r:id="rId11"/>
-    <p:sldId id="389" r:id="rId12"/>
-    <p:sldId id="390" r:id="rId13"/>
-    <p:sldId id="391" r:id="rId14"/>
-    <p:sldId id="395" r:id="rId15"/>
+    <p:sldId id="388" r:id="rId10"/>
+    <p:sldId id="389" r:id="rId11"/>
+    <p:sldId id="390" r:id="rId12"/>
+    <p:sldId id="391" r:id="rId13"/>
+    <p:sldId id="395" r:id="rId14"/>
+    <p:sldId id="396" r:id="rId15"/>
     <p:sldId id="392" r:id="rId16"/>
     <p:sldId id="393" r:id="rId17"/>
     <p:sldId id="394" r:id="rId18"/>
@@ -646,13 +646,6 @@
   <p:clrMapOvr>
     <a:masterClrMapping/>
   </p:clrMapOvr>
-  <p:timing>
-    <p:tnLst>
-      <p:par>
-        <p:cTn id="1" dur="indefinite" restart="never" nodeType="tmRoot"/>
-      </p:par>
-    </p:tnLst>
-  </p:timing>
   <p:hf hdr="0" ftr="0" dt="0"/>
 </p:sldLayout>
 </file>
@@ -684,13 +677,6 @@
   <p:clrMapOvr>
     <a:masterClrMapping/>
   </p:clrMapOvr>
-  <p:timing>
-    <p:tnLst>
-      <p:par>
-        <p:cTn id="1" dur="indefinite" restart="never" nodeType="tmRoot"/>
-      </p:par>
-    </p:tnLst>
-  </p:timing>
 </p:sldLayout>
 </file>
 
@@ -1672,1253 +1658,6 @@
       </p:sp>
       <p:sp>
         <p:nvSpPr>
-          <p:cNvPr id="27" name="TextBox 26"/>
-          <p:cNvSpPr txBox="1"/>
-          <p:nvPr/>
-        </p:nvSpPr>
-        <p:spPr>
-          <a:xfrm>
-            <a:off x="94160" y="3228872"/>
-            <a:ext cx="1100587" cy="338554"/>
-          </a:xfrm>
-          <a:prstGeom prst="rect">
-            <a:avLst/>
-          </a:prstGeom>
-          <a:noFill/>
-        </p:spPr>
-        <p:txBody>
-          <a:bodyPr wrap="square" rtlCol="0">
-            <a:spAutoFit/>
-          </a:bodyPr>
-          <a:lstStyle/>
-          <a:p>
-            <a:r>
-              <a:rPr lang="en-US" altLang="ko-KR" sz="1600" dirty="0"/>
-              <a:t>URL </a:t>
-            </a:r>
-            <a:r>
-              <a:rPr lang="ko-KR" altLang="en-US" sz="1600" dirty="0"/>
-              <a:t>일치</a:t>
-            </a:r>
-            <a:r>
-              <a:rPr lang="en-US" altLang="ko-KR" sz="1600" dirty="0"/>
-              <a:t>?</a:t>
-            </a:r>
-            <a:r>
-              <a:rPr lang="ko-KR" altLang="en-US" sz="1600" dirty="0"/>
-              <a:t> </a:t>
-            </a:r>
-          </a:p>
-        </p:txBody>
-      </p:sp>
-      <p:sp>
-        <p:nvSpPr>
-          <p:cNvPr id="28" name="TextBox 27"/>
-          <p:cNvSpPr txBox="1"/>
-          <p:nvPr/>
-        </p:nvSpPr>
-        <p:spPr>
-          <a:xfrm>
-            <a:off x="7221968" y="4290350"/>
-            <a:ext cx="2101146" cy="369332"/>
-          </a:xfrm>
-          <a:prstGeom prst="rect">
-            <a:avLst/>
-          </a:prstGeom>
-          <a:noFill/>
-        </p:spPr>
-        <p:txBody>
-          <a:bodyPr wrap="square" rtlCol="0">
-            <a:spAutoFit/>
-          </a:bodyPr>
-          <a:lstStyle/>
-          <a:p>
-            <a:r>
-              <a:rPr lang="en-US" altLang="ko-KR" err="1"/>
-              <a:t>dHash</a:t>
-            </a:r>
-            <a:r>
-              <a:rPr lang="en-US" altLang="ko-KR" dirty="0"/>
-              <a:t> </a:t>
-            </a:r>
-            <a:r>
-              <a:rPr lang="ko-KR" altLang="en-US" dirty="0"/>
-              <a:t>알고리즘</a:t>
-            </a:r>
-          </a:p>
-        </p:txBody>
-      </p:sp>
-      <p:sp>
-        <p:nvSpPr>
-          <p:cNvPr id="29" name="TextBox 28"/>
-          <p:cNvSpPr txBox="1"/>
-          <p:nvPr/>
-        </p:nvSpPr>
-        <p:spPr>
-          <a:xfrm>
-            <a:off x="10400986" y="3693984"/>
-            <a:ext cx="1440160" cy="369332"/>
-          </a:xfrm>
-          <a:prstGeom prst="rect">
-            <a:avLst/>
-          </a:prstGeom>
-          <a:noFill/>
-        </p:spPr>
-        <p:txBody>
-          <a:bodyPr wrap="square" rtlCol="0">
-            <a:spAutoFit/>
-          </a:bodyPr>
-          <a:lstStyle/>
-          <a:p>
-            <a:r>
-              <a:rPr lang="ko-KR" altLang="en-US" dirty="0"/>
-              <a:t>유사도 분석</a:t>
-            </a:r>
-          </a:p>
-        </p:txBody>
-      </p:sp>
-      <p:sp>
-        <p:nvSpPr>
-          <p:cNvPr id="30" name="TextBox 29"/>
-          <p:cNvSpPr txBox="1"/>
-          <p:nvPr/>
-        </p:nvSpPr>
-        <p:spPr>
-          <a:xfrm>
-            <a:off x="592176" y="5844319"/>
-            <a:ext cx="10879388" cy="400110"/>
-          </a:xfrm>
-          <a:prstGeom prst="rect">
-            <a:avLst/>
-          </a:prstGeom>
-          <a:noFill/>
-        </p:spPr>
-        <p:txBody>
-          <a:bodyPr wrap="square" rtlCol="0">
-            <a:spAutoFit/>
-          </a:bodyPr>
-          <a:lstStyle/>
-          <a:p>
-            <a:r>
-              <a:rPr lang="en-US" altLang="ko-KR" sz="2000" dirty="0"/>
-              <a:t>☞ Inception V3</a:t>
-            </a:r>
-            <a:r>
-              <a:rPr lang="ko-KR" altLang="en-US" sz="2000" dirty="0"/>
-              <a:t>로 나온 </a:t>
-            </a:r>
-            <a:r>
-              <a:rPr lang="ko-KR" altLang="en-US" sz="2000" dirty="0" err="1"/>
-              <a:t>유사도와</a:t>
-            </a:r>
-            <a:r>
-              <a:rPr lang="ko-KR" altLang="en-US" sz="2000" dirty="0"/>
-              <a:t> </a:t>
-            </a:r>
-            <a:r>
-              <a:rPr lang="en-US" altLang="ko-KR" sz="2000" dirty="0" err="1"/>
-              <a:t>dHash</a:t>
-            </a:r>
-            <a:r>
-              <a:rPr lang="en-US" altLang="ko-KR" sz="2000" dirty="0"/>
-              <a:t> </a:t>
-            </a:r>
-            <a:r>
-              <a:rPr lang="ko-KR" altLang="en-US" sz="2000" dirty="0"/>
-              <a:t>알고리즘을 사용하여 </a:t>
-            </a:r>
-            <a:r>
-              <a:rPr lang="ko-KR" altLang="en-US" sz="2000" b="1" dirty="0">
-                <a:solidFill>
-                  <a:srgbClr val="F23B48"/>
-                </a:solidFill>
-              </a:rPr>
-              <a:t>더 정확한 이미지 유사도 검출</a:t>
-            </a:r>
-          </a:p>
-        </p:txBody>
-      </p:sp>
-      <p:sp>
-        <p:nvSpPr>
-          <p:cNvPr id="31" name="TextBox 30"/>
-          <p:cNvSpPr txBox="1"/>
-          <p:nvPr/>
-        </p:nvSpPr>
-        <p:spPr>
-          <a:xfrm>
-            <a:off x="2144264" y="4364169"/>
-            <a:ext cx="2625581" cy="369332"/>
-          </a:xfrm>
-          <a:prstGeom prst="rect">
-            <a:avLst/>
-          </a:prstGeom>
-          <a:noFill/>
-        </p:spPr>
-        <p:txBody>
-          <a:bodyPr wrap="square" rtlCol="0">
-            <a:spAutoFit/>
-          </a:bodyPr>
-          <a:lstStyle/>
-          <a:p>
-            <a:r>
-              <a:rPr lang="en-US" altLang="ko-KR" dirty="0"/>
-              <a:t>Inception-v3 </a:t>
-            </a:r>
-            <a:r>
-              <a:rPr lang="ko-KR" altLang="en-US" dirty="0"/>
-              <a:t>알고리즘</a:t>
-            </a:r>
-          </a:p>
-        </p:txBody>
-      </p:sp>
-      <p:pic>
-        <p:nvPicPr>
-          <p:cNvPr id="32" name="Picture 2" descr="inception v3ì ëí ì´ë¯¸ì§ ê²ìê²°ê³¼">
-            <a:extLst>
-              <a:ext uri="{FF2B5EF4-FFF2-40B4-BE49-F238E27FC236}">
-                <a16:creationId xmlns:a16="http://schemas.microsoft.com/office/drawing/2014/main" id="{EEA26B26-EA9B-44C6-94F6-52D970AFBA71}"/>
-              </a:ext>
-            </a:extLst>
-          </p:cNvPr>
-          <p:cNvPicPr>
-            <a:picLocks noChangeAspect="1" noChangeArrowheads="1"/>
-          </p:cNvPicPr>
-          <p:nvPr/>
-        </p:nvPicPr>
-        <p:blipFill>
-          <a:blip r:embed="rId2">
-            <a:extLst>
-              <a:ext uri="{28A0092B-C50C-407E-A947-70E740481C1C}">
-                <a14:useLocalDpi xmlns:a14="http://schemas.microsoft.com/office/drawing/2010/main" val="0"/>
-              </a:ext>
-            </a:extLst>
-          </a:blip>
-          <a:srcRect/>
-          <a:stretch>
-            <a:fillRect/>
-          </a:stretch>
-        </p:blipFill>
-        <p:spPr bwMode="auto">
-          <a:xfrm>
-            <a:off x="2144265" y="2288317"/>
-            <a:ext cx="2625581" cy="891065"/>
-          </a:xfrm>
-          <a:prstGeom prst="rect">
-            <a:avLst/>
-          </a:prstGeom>
-          <a:noFill/>
-          <a:extLst>
-            <a:ext uri="{909E8E84-426E-40DD-AFC4-6F175D3DCCD1}">
-              <a14:hiddenFill xmlns:a14="http://schemas.microsoft.com/office/drawing/2010/main">
-                <a:solidFill>
-                  <a:srgbClr val="FFFFFF"/>
-                </a:solidFill>
-              </a14:hiddenFill>
-            </a:ext>
-          </a:extLst>
-        </p:spPr>
-      </p:pic>
-      <p:sp>
-        <p:nvSpPr>
-          <p:cNvPr id="33" name="오른쪽 화살표 22">
-            <a:extLst>
-              <a:ext uri="{FF2B5EF4-FFF2-40B4-BE49-F238E27FC236}">
-                <a16:creationId xmlns:a16="http://schemas.microsoft.com/office/drawing/2014/main" id="{047F8257-CA38-4A6C-84DD-2299D22F512D}"/>
-              </a:ext>
-            </a:extLst>
-          </p:cNvPr>
-          <p:cNvSpPr/>
-          <p:nvPr/>
-        </p:nvSpPr>
-        <p:spPr>
-          <a:xfrm>
-            <a:off x="9717600" y="3611444"/>
-            <a:ext cx="710231" cy="528810"/>
-          </a:xfrm>
-          <a:prstGeom prst="rightArrow">
-            <a:avLst/>
-          </a:prstGeom>
-          <a:solidFill>
-            <a:srgbClr val="00BBD6"/>
-          </a:solidFill>
-        </p:spPr>
-        <p:style>
-          <a:lnRef idx="2">
-            <a:schemeClr val="accent1">
-              <a:shade val="50000"/>
-            </a:schemeClr>
-          </a:lnRef>
-          <a:fillRef idx="1">
-            <a:schemeClr val="accent1"/>
-          </a:fillRef>
-          <a:effectRef idx="0">
-            <a:schemeClr val="accent1"/>
-          </a:effectRef>
-          <a:fontRef idx="minor">
-            <a:schemeClr val="lt1"/>
-          </a:fontRef>
-        </p:style>
-        <p:txBody>
-          <a:bodyPr rtlCol="0" anchor="ctr"/>
-          <a:lstStyle/>
-          <a:p>
-            <a:pPr algn="ctr"/>
-            <a:endParaRPr lang="ko-KR" altLang="en-US">
-              <a:solidFill>
-                <a:srgbClr val="00BBD6"/>
-              </a:solidFill>
-            </a:endParaRPr>
-          </a:p>
-        </p:txBody>
-      </p:sp>
-      <p:pic>
-        <p:nvPicPr>
-          <p:cNvPr id="34" name="Picture 4" descr="imagehash pythonì ëí ì´ë¯¸ì§ ê²ìê²°ê³¼">
-            <a:extLst>
-              <a:ext uri="{FF2B5EF4-FFF2-40B4-BE49-F238E27FC236}">
-                <a16:creationId xmlns:a16="http://schemas.microsoft.com/office/drawing/2014/main" id="{0327C955-863D-492A-9EC1-9D2BD991FAB8}"/>
-              </a:ext>
-            </a:extLst>
-          </p:cNvPr>
-          <p:cNvPicPr>
-            <a:picLocks noChangeAspect="1" noChangeArrowheads="1"/>
-          </p:cNvPicPr>
-          <p:nvPr/>
-        </p:nvPicPr>
-        <p:blipFill>
-          <a:blip r:embed="rId3" cstate="print">
-            <a:extLst>
-              <a:ext uri="{28A0092B-C50C-407E-A947-70E740481C1C}">
-                <a14:useLocalDpi xmlns:a14="http://schemas.microsoft.com/office/drawing/2010/main" val="0"/>
-              </a:ext>
-            </a:extLst>
-          </a:blip>
-          <a:srcRect/>
-          <a:stretch>
-            <a:fillRect/>
-          </a:stretch>
-        </p:blipFill>
-        <p:spPr bwMode="auto">
-          <a:xfrm>
-            <a:off x="6822531" y="3417332"/>
-            <a:ext cx="2716798" cy="808318"/>
-          </a:xfrm>
-          <a:prstGeom prst="rect">
-            <a:avLst/>
-          </a:prstGeom>
-          <a:noFill/>
-          <a:extLst>
-            <a:ext uri="{909E8E84-426E-40DD-AFC4-6F175D3DCCD1}">
-              <a14:hiddenFill xmlns:a14="http://schemas.microsoft.com/office/drawing/2010/main">
-                <a:solidFill>
-                  <a:srgbClr val="FFFFFF"/>
-                </a:solidFill>
-              </a14:hiddenFill>
-            </a:ext>
-          </a:extLst>
-        </p:spPr>
-      </p:pic>
-      <p:sp>
-        <p:nvSpPr>
-          <p:cNvPr id="35" name="TextBox 34">
-            <a:extLst>
-              <a:ext uri="{FF2B5EF4-FFF2-40B4-BE49-F238E27FC236}">
-                <a16:creationId xmlns:a16="http://schemas.microsoft.com/office/drawing/2014/main" id="{ED871A33-664D-4F34-A132-ECE717A905FE}"/>
-              </a:ext>
-            </a:extLst>
-          </p:cNvPr>
-          <p:cNvSpPr txBox="1"/>
-          <p:nvPr/>
-        </p:nvSpPr>
-        <p:spPr>
-          <a:xfrm>
-            <a:off x="325997" y="3955588"/>
-            <a:ext cx="887714" cy="369332"/>
-          </a:xfrm>
-          <a:prstGeom prst="rect">
-            <a:avLst/>
-          </a:prstGeom>
-          <a:noFill/>
-        </p:spPr>
-        <p:txBody>
-          <a:bodyPr wrap="square" rtlCol="0">
-            <a:spAutoFit/>
-          </a:bodyPr>
-          <a:lstStyle/>
-          <a:p>
-            <a:r>
-              <a:rPr lang="en-US" altLang="ko-KR" dirty="0"/>
-              <a:t>YES</a:t>
-            </a:r>
-            <a:endParaRPr lang="ko-KR" altLang="en-US" dirty="0"/>
-          </a:p>
-        </p:txBody>
-      </p:sp>
-      <p:pic>
-        <p:nvPicPr>
-          <p:cNvPr id="36" name="Picture 6" descr="inception v3 êµ¬ì¡°ì ëí ì´ë¯¸ì§ ê²ìê²°ê³¼">
-            <a:extLst>
-              <a:ext uri="{FF2B5EF4-FFF2-40B4-BE49-F238E27FC236}">
-                <a16:creationId xmlns:a16="http://schemas.microsoft.com/office/drawing/2014/main" id="{C5949E50-56ED-46EF-BCCA-FD2C9B3A0D27}"/>
-              </a:ext>
-            </a:extLst>
-          </p:cNvPr>
-          <p:cNvPicPr>
-            <a:picLocks noChangeAspect="1" noChangeArrowheads="1"/>
-          </p:cNvPicPr>
-          <p:nvPr/>
-        </p:nvPicPr>
-        <p:blipFill>
-          <a:blip r:embed="rId4" cstate="print">
-            <a:extLst>
-              <a:ext uri="{28A0092B-C50C-407E-A947-70E740481C1C}">
-                <a14:useLocalDpi xmlns:a14="http://schemas.microsoft.com/office/drawing/2010/main" val="0"/>
-              </a:ext>
-            </a:extLst>
-          </a:blip>
-          <a:srcRect/>
-          <a:stretch>
-            <a:fillRect/>
-          </a:stretch>
-        </p:blipFill>
-        <p:spPr bwMode="auto">
-          <a:xfrm>
-            <a:off x="1413810" y="3169403"/>
-            <a:ext cx="4190702" cy="1203190"/>
-          </a:xfrm>
-          <a:prstGeom prst="rect">
-            <a:avLst/>
-          </a:prstGeom>
-          <a:noFill/>
-          <a:extLst>
-            <a:ext uri="{909E8E84-426E-40DD-AFC4-6F175D3DCCD1}">
-              <a14:hiddenFill xmlns:a14="http://schemas.microsoft.com/office/drawing/2010/main">
-                <a:solidFill>
-                  <a:srgbClr val="FFFFFF"/>
-                </a:solidFill>
-              </a14:hiddenFill>
-            </a:ext>
-          </a:extLst>
-        </p:spPr>
-      </p:pic>
-      <p:sp>
-        <p:nvSpPr>
-          <p:cNvPr id="37" name="직사각형 36">
-            <a:extLst>
-              <a:ext uri="{FF2B5EF4-FFF2-40B4-BE49-F238E27FC236}">
-                <a16:creationId xmlns:a16="http://schemas.microsoft.com/office/drawing/2014/main" id="{8E3E3327-05EB-4DA0-AD86-4D6C46BDC907}"/>
-              </a:ext>
-            </a:extLst>
-          </p:cNvPr>
-          <p:cNvSpPr/>
-          <p:nvPr/>
-        </p:nvSpPr>
-        <p:spPr>
-          <a:xfrm>
-            <a:off x="1272833" y="2018774"/>
-            <a:ext cx="8346271" cy="3350420"/>
-          </a:xfrm>
-          <a:prstGeom prst="rect">
-            <a:avLst/>
-          </a:prstGeom>
-          <a:noFill/>
-          <a:ln w="28575">
-            <a:solidFill>
-              <a:srgbClr val="00B050"/>
-            </a:solidFill>
-          </a:ln>
-        </p:spPr>
-        <p:style>
-          <a:lnRef idx="2">
-            <a:schemeClr val="accent1">
-              <a:shade val="50000"/>
-            </a:schemeClr>
-          </a:lnRef>
-          <a:fillRef idx="1">
-            <a:schemeClr val="accent1"/>
-          </a:fillRef>
-          <a:effectRef idx="0">
-            <a:schemeClr val="accent1"/>
-          </a:effectRef>
-          <a:fontRef idx="minor">
-            <a:schemeClr val="lt1"/>
-          </a:fontRef>
-        </p:style>
-        <p:txBody>
-          <a:bodyPr rtlCol="0" anchor="ctr"/>
-          <a:lstStyle/>
-          <a:p>
-            <a:pPr algn="ctr"/>
-            <a:endParaRPr lang="ko-KR" altLang="en-US"/>
-          </a:p>
-        </p:txBody>
-      </p:sp>
-      <p:sp>
-        <p:nvSpPr>
-          <p:cNvPr id="38" name="TextBox 37">
-            <a:extLst>
-              <a:ext uri="{FF2B5EF4-FFF2-40B4-BE49-F238E27FC236}">
-                <a16:creationId xmlns:a16="http://schemas.microsoft.com/office/drawing/2014/main" id="{FBF04B30-DB04-4C07-8B8E-78487522E50B}"/>
-              </a:ext>
-            </a:extLst>
-          </p:cNvPr>
-          <p:cNvSpPr txBox="1"/>
-          <p:nvPr/>
-        </p:nvSpPr>
-        <p:spPr>
-          <a:xfrm>
-            <a:off x="4361227" y="1583450"/>
-            <a:ext cx="2298610" cy="369332"/>
-          </a:xfrm>
-          <a:prstGeom prst="rect">
-            <a:avLst/>
-          </a:prstGeom>
-          <a:solidFill>
-            <a:schemeClr val="accent6"/>
-          </a:solidFill>
-        </p:spPr>
-        <p:txBody>
-          <a:bodyPr wrap="square" rtlCol="0">
-            <a:spAutoFit/>
-          </a:bodyPr>
-          <a:lstStyle/>
-          <a:p>
-            <a:r>
-              <a:rPr lang="ko-KR" altLang="en-US" dirty="0"/>
-              <a:t>유사도 비교 </a:t>
-            </a:r>
-            <a:r>
-              <a:rPr lang="en-US" altLang="ko-KR" dirty="0"/>
-              <a:t>process</a:t>
-            </a:r>
-            <a:endParaRPr lang="ko-KR" altLang="en-US" dirty="0"/>
-          </a:p>
-        </p:txBody>
-      </p:sp>
-      <p:sp>
-        <p:nvSpPr>
-          <p:cNvPr id="39" name="오른쪽 화살표 22">
-            <a:extLst>
-              <a:ext uri="{FF2B5EF4-FFF2-40B4-BE49-F238E27FC236}">
-                <a16:creationId xmlns:a16="http://schemas.microsoft.com/office/drawing/2014/main" id="{E764C312-A760-400C-82C9-8AE8F7B8A893}"/>
-              </a:ext>
-            </a:extLst>
-          </p:cNvPr>
-          <p:cNvSpPr/>
-          <p:nvPr/>
-        </p:nvSpPr>
-        <p:spPr>
-          <a:xfrm>
-            <a:off x="5767205" y="3589755"/>
-            <a:ext cx="892632" cy="528810"/>
-          </a:xfrm>
-          <a:prstGeom prst="rightArrow">
-            <a:avLst/>
-          </a:prstGeom>
-          <a:solidFill>
-            <a:srgbClr val="00BBD6"/>
-          </a:solidFill>
-        </p:spPr>
-        <p:style>
-          <a:lnRef idx="2">
-            <a:schemeClr val="accent1">
-              <a:shade val="50000"/>
-            </a:schemeClr>
-          </a:lnRef>
-          <a:fillRef idx="1">
-            <a:schemeClr val="accent1"/>
-          </a:fillRef>
-          <a:effectRef idx="0">
-            <a:schemeClr val="accent1"/>
-          </a:effectRef>
-          <a:fontRef idx="minor">
-            <a:schemeClr val="lt1"/>
-          </a:fontRef>
-        </p:style>
-        <p:txBody>
-          <a:bodyPr rtlCol="0" anchor="ctr"/>
-          <a:lstStyle/>
-          <a:p>
-            <a:pPr algn="ctr"/>
-            <a:endParaRPr lang="ko-KR" altLang="en-US">
-              <a:solidFill>
-                <a:srgbClr val="00BBD6"/>
-              </a:solidFill>
-            </a:endParaRPr>
-          </a:p>
-        </p:txBody>
-      </p:sp>
-      <p:sp>
-        <p:nvSpPr>
-          <p:cNvPr id="40" name="오른쪽 화살표 22">
-            <a:extLst>
-              <a:ext uri="{FF2B5EF4-FFF2-40B4-BE49-F238E27FC236}">
-                <a16:creationId xmlns:a16="http://schemas.microsoft.com/office/drawing/2014/main" id="{5659594D-A0E0-4982-8557-85009C6BA98D}"/>
-              </a:ext>
-            </a:extLst>
-          </p:cNvPr>
-          <p:cNvSpPr/>
-          <p:nvPr/>
-        </p:nvSpPr>
-        <p:spPr>
-          <a:xfrm>
-            <a:off x="236422" y="3530638"/>
-            <a:ext cx="892632" cy="528810"/>
-          </a:xfrm>
-          <a:prstGeom prst="rightArrow">
-            <a:avLst/>
-          </a:prstGeom>
-          <a:solidFill>
-            <a:srgbClr val="00BBD6"/>
-          </a:solidFill>
-        </p:spPr>
-        <p:style>
-          <a:lnRef idx="2">
-            <a:schemeClr val="accent1">
-              <a:shade val="50000"/>
-            </a:schemeClr>
-          </a:lnRef>
-          <a:fillRef idx="1">
-            <a:schemeClr val="accent1"/>
-          </a:fillRef>
-          <a:effectRef idx="0">
-            <a:schemeClr val="accent1"/>
-          </a:effectRef>
-          <a:fontRef idx="minor">
-            <a:schemeClr val="lt1"/>
-          </a:fontRef>
-        </p:style>
-        <p:txBody>
-          <a:bodyPr rtlCol="0" anchor="ctr"/>
-          <a:lstStyle/>
-          <a:p>
-            <a:pPr algn="ctr"/>
-            <a:endParaRPr lang="ko-KR" altLang="en-US">
-              <a:solidFill>
-                <a:srgbClr val="00BBD6"/>
-              </a:solidFill>
-            </a:endParaRPr>
-          </a:p>
-        </p:txBody>
-      </p:sp>
-      <p:grpSp>
-        <p:nvGrpSpPr>
-          <p:cNvPr id="41" name="组合 1"/>
-          <p:cNvGrpSpPr/>
-          <p:nvPr/>
-        </p:nvGrpSpPr>
-        <p:grpSpPr>
-          <a:xfrm>
-            <a:off x="387568" y="372475"/>
-            <a:ext cx="3949970" cy="751139"/>
-            <a:chOff x="4123410" y="1826618"/>
-            <a:chExt cx="3949970" cy="751139"/>
-          </a:xfrm>
-        </p:grpSpPr>
-        <p:grpSp>
-          <p:nvGrpSpPr>
-            <p:cNvPr id="42" name="组合 2"/>
-            <p:cNvGrpSpPr/>
-            <p:nvPr/>
-          </p:nvGrpSpPr>
-          <p:grpSpPr>
-            <a:xfrm>
-              <a:off x="4123410" y="1826618"/>
-              <a:ext cx="738875" cy="751139"/>
-              <a:chOff x="2498710" y="2311467"/>
-              <a:chExt cx="1748840" cy="1777866"/>
-            </a:xfrm>
-          </p:grpSpPr>
-          <p:sp>
-            <p:nvSpPr>
-              <p:cNvPr id="45" name="椭圆 6"/>
-              <p:cNvSpPr/>
-              <p:nvPr/>
-            </p:nvSpPr>
-            <p:spPr>
-              <a:xfrm>
-                <a:off x="2644792" y="2457549"/>
-                <a:ext cx="1456676" cy="1456676"/>
-              </a:xfrm>
-              <a:prstGeom prst="ellipse">
-                <a:avLst/>
-              </a:prstGeom>
-              <a:solidFill>
-                <a:schemeClr val="accent2"/>
-              </a:solidFill>
-              <a:ln>
-                <a:noFill/>
-              </a:ln>
-            </p:spPr>
-            <p:style>
-              <a:lnRef idx="2">
-                <a:schemeClr val="accent1">
-                  <a:shade val="50000"/>
-                </a:schemeClr>
-              </a:lnRef>
-              <a:fillRef idx="1">
-                <a:schemeClr val="accent1"/>
-              </a:fillRef>
-              <a:effectRef idx="0">
-                <a:schemeClr val="accent1"/>
-              </a:effectRef>
-              <a:fontRef idx="minor">
-                <a:schemeClr val="lt1"/>
-              </a:fontRef>
-            </p:style>
-            <p:txBody>
-              <a:bodyPr rot="0" spcFirstLastPara="0" vertOverflow="overflow" horzOverflow="overflow" vert="horz" wrap="square" lIns="91440" tIns="45720" rIns="91440" bIns="45720" numCol="1" spcCol="0" rtlCol="0" fromWordArt="0" anchor="ctr" anchorCtr="0" forceAA="0" compatLnSpc="1">
-                <a:prstTxWarp prst="textNoShape">
-                  <a:avLst/>
-                </a:prstTxWarp>
-                <a:noAutofit/>
-              </a:bodyPr>
-              <a:lstStyle/>
-              <a:p>
-                <a:pPr algn="ctr"/>
-                <a:r>
-                  <a:rPr lang="en-US" altLang="zh-CN" sz="3200" dirty="0"/>
-                  <a:t>4</a:t>
-                </a:r>
-                <a:endParaRPr lang="zh-CN" altLang="en-US" sz="3200" dirty="0"/>
-              </a:p>
-            </p:txBody>
-          </p:sp>
-          <p:sp>
-            <p:nvSpPr>
-              <p:cNvPr id="46" name="椭圆 7"/>
-              <p:cNvSpPr/>
-              <p:nvPr/>
-            </p:nvSpPr>
-            <p:spPr>
-              <a:xfrm>
-                <a:off x="2498710" y="2311467"/>
-                <a:ext cx="1748840" cy="1748840"/>
-              </a:xfrm>
-              <a:prstGeom prst="ellipse">
-                <a:avLst/>
-              </a:prstGeom>
-              <a:noFill/>
-              <a:ln>
-                <a:solidFill>
-                  <a:schemeClr val="accent2">
-                    <a:lumMod val="20000"/>
-                    <a:lumOff val="80000"/>
-                  </a:schemeClr>
-                </a:solidFill>
-              </a:ln>
-            </p:spPr>
-            <p:style>
-              <a:lnRef idx="2">
-                <a:schemeClr val="accent1">
-                  <a:shade val="50000"/>
-                </a:schemeClr>
-              </a:lnRef>
-              <a:fillRef idx="1">
-                <a:schemeClr val="accent1"/>
-              </a:fillRef>
-              <a:effectRef idx="0">
-                <a:schemeClr val="accent1"/>
-              </a:effectRef>
-              <a:fontRef idx="minor">
-                <a:schemeClr val="lt1"/>
-              </a:fontRef>
-            </p:style>
-            <p:txBody>
-              <a:bodyPr rot="0" spcFirstLastPara="0" vertOverflow="overflow" horzOverflow="overflow" vert="horz" wrap="square" lIns="91440" tIns="45720" rIns="91440" bIns="45720" numCol="1" spcCol="0" rtlCol="0" fromWordArt="0" anchor="ctr" anchorCtr="0" forceAA="0" compatLnSpc="1">
-                <a:prstTxWarp prst="textNoShape">
-                  <a:avLst/>
-                </a:prstTxWarp>
-                <a:noAutofit/>
-              </a:bodyPr>
-              <a:lstStyle/>
-              <a:p>
-                <a:pPr algn="ctr"/>
-                <a:endParaRPr lang="zh-CN" altLang="en-US" sz="6600" dirty="0"/>
-              </a:p>
-            </p:txBody>
-          </p:sp>
-          <p:sp>
-            <p:nvSpPr>
-              <p:cNvPr id="47" name="椭圆 8"/>
-              <p:cNvSpPr/>
-              <p:nvPr/>
-            </p:nvSpPr>
-            <p:spPr>
-              <a:xfrm>
-                <a:off x="3758995" y="3683265"/>
-                <a:ext cx="406068" cy="406068"/>
-              </a:xfrm>
-              <a:prstGeom prst="ellipse">
-                <a:avLst/>
-              </a:prstGeom>
-              <a:solidFill>
-                <a:schemeClr val="accent1">
-                  <a:alpha val="80000"/>
-                </a:schemeClr>
-              </a:solidFill>
-              <a:ln>
-                <a:noFill/>
-              </a:ln>
-            </p:spPr>
-            <p:style>
-              <a:lnRef idx="2">
-                <a:schemeClr val="accent1">
-                  <a:shade val="50000"/>
-                </a:schemeClr>
-              </a:lnRef>
-              <a:fillRef idx="1">
-                <a:schemeClr val="accent1"/>
-              </a:fillRef>
-              <a:effectRef idx="0">
-                <a:schemeClr val="accent1"/>
-              </a:effectRef>
-              <a:fontRef idx="minor">
-                <a:schemeClr val="lt1"/>
-              </a:fontRef>
-            </p:style>
-            <p:txBody>
-              <a:bodyPr rot="0" spcFirstLastPara="0" vertOverflow="overflow" horzOverflow="overflow" vert="horz" wrap="square" lIns="91440" tIns="45720" rIns="91440" bIns="45720" numCol="1" spcCol="0" rtlCol="0" fromWordArt="0" anchor="ctr" anchorCtr="0" forceAA="0" compatLnSpc="1">
-                <a:prstTxWarp prst="textNoShape">
-                  <a:avLst/>
-                </a:prstTxWarp>
-                <a:noAutofit/>
-              </a:bodyPr>
-              <a:lstStyle/>
-              <a:p>
-                <a:pPr algn="ctr"/>
-                <a:endParaRPr lang="zh-CN" altLang="en-US" sz="1400">
-                  <a:cs typeface="+mn-ea"/>
-                  <a:sym typeface="+mn-lt"/>
-                </a:endParaRPr>
-              </a:p>
-            </p:txBody>
-          </p:sp>
-          <p:sp>
-            <p:nvSpPr>
-              <p:cNvPr id="48" name="椭圆 9"/>
-              <p:cNvSpPr/>
-              <p:nvPr/>
-            </p:nvSpPr>
-            <p:spPr>
-              <a:xfrm>
-                <a:off x="2644791" y="2350267"/>
-                <a:ext cx="255468" cy="255468"/>
-              </a:xfrm>
-              <a:prstGeom prst="ellipse">
-                <a:avLst/>
-              </a:prstGeom>
-              <a:solidFill>
-                <a:schemeClr val="accent1">
-                  <a:alpha val="80000"/>
-                </a:schemeClr>
-              </a:solidFill>
-              <a:ln>
-                <a:noFill/>
-              </a:ln>
-            </p:spPr>
-            <p:style>
-              <a:lnRef idx="2">
-                <a:schemeClr val="accent1">
-                  <a:shade val="50000"/>
-                </a:schemeClr>
-              </a:lnRef>
-              <a:fillRef idx="1">
-                <a:schemeClr val="accent1"/>
-              </a:fillRef>
-              <a:effectRef idx="0">
-                <a:schemeClr val="accent1"/>
-              </a:effectRef>
-              <a:fontRef idx="minor">
-                <a:schemeClr val="lt1"/>
-              </a:fontRef>
-            </p:style>
-            <p:txBody>
-              <a:bodyPr rot="0" spcFirstLastPara="0" vertOverflow="overflow" horzOverflow="overflow" vert="horz" wrap="square" lIns="91440" tIns="45720" rIns="91440" bIns="45720" numCol="1" spcCol="0" rtlCol="0" fromWordArt="0" anchor="ctr" anchorCtr="0" forceAA="0" compatLnSpc="1">
-                <a:prstTxWarp prst="textNoShape">
-                  <a:avLst/>
-                </a:prstTxWarp>
-                <a:noAutofit/>
-              </a:bodyPr>
-              <a:lstStyle/>
-              <a:p>
-                <a:pPr algn="ctr"/>
-                <a:endParaRPr lang="zh-CN" altLang="en-US" sz="1400">
-                  <a:cs typeface="+mn-ea"/>
-                  <a:sym typeface="+mn-lt"/>
-                </a:endParaRPr>
-              </a:p>
-            </p:txBody>
-          </p:sp>
-        </p:grpSp>
-        <p:sp>
-          <p:nvSpPr>
-            <p:cNvPr id="43" name="文本框 8"/>
-            <p:cNvSpPr txBox="1"/>
-            <p:nvPr/>
-          </p:nvSpPr>
-          <p:spPr>
-            <a:xfrm>
-              <a:off x="4741652" y="1950945"/>
-              <a:ext cx="3331728" cy="584775"/>
-            </a:xfrm>
-            <a:prstGeom prst="rect">
-              <a:avLst/>
-            </a:prstGeom>
-            <a:noFill/>
-          </p:spPr>
-          <p:txBody>
-            <a:bodyPr wrap="square" rtlCol="0">
-              <a:spAutoFit/>
-            </a:bodyPr>
-            <a:lstStyle>
-              <a:defPPr>
-                <a:defRPr lang="en-US"/>
-              </a:defPPr>
-              <a:lvl1pPr marL="0" algn="l" defTabSz="457200" rtl="0" eaLnBrk="1" latinLnBrk="0" hangingPunct="1">
-                <a:defRPr sz="1800" kern="1200">
-                  <a:solidFill>
-                    <a:schemeClr val="tx1"/>
-                  </a:solidFill>
-                  <a:latin typeface="+mn-lt"/>
-                  <a:ea typeface="+mn-ea"/>
-                  <a:cs typeface="+mn-cs"/>
-                </a:defRPr>
-              </a:lvl1pPr>
-              <a:lvl2pPr marL="457200" algn="l" defTabSz="457200" rtl="0" eaLnBrk="1" latinLnBrk="0" hangingPunct="1">
-                <a:defRPr sz="1800" kern="1200">
-                  <a:solidFill>
-                    <a:schemeClr val="tx1"/>
-                  </a:solidFill>
-                  <a:latin typeface="+mn-lt"/>
-                  <a:ea typeface="+mn-ea"/>
-                  <a:cs typeface="+mn-cs"/>
-                </a:defRPr>
-              </a:lvl2pPr>
-              <a:lvl3pPr marL="914400" algn="l" defTabSz="457200" rtl="0" eaLnBrk="1" latinLnBrk="0" hangingPunct="1">
-                <a:defRPr sz="1800" kern="1200">
-                  <a:solidFill>
-                    <a:schemeClr val="tx1"/>
-                  </a:solidFill>
-                  <a:latin typeface="+mn-lt"/>
-                  <a:ea typeface="+mn-ea"/>
-                  <a:cs typeface="+mn-cs"/>
-                </a:defRPr>
-              </a:lvl3pPr>
-              <a:lvl4pPr marL="1371600" algn="l" defTabSz="457200" rtl="0" eaLnBrk="1" latinLnBrk="0" hangingPunct="1">
-                <a:defRPr sz="1800" kern="1200">
-                  <a:solidFill>
-                    <a:schemeClr val="tx1"/>
-                  </a:solidFill>
-                  <a:latin typeface="+mn-lt"/>
-                  <a:ea typeface="+mn-ea"/>
-                  <a:cs typeface="+mn-cs"/>
-                </a:defRPr>
-              </a:lvl4pPr>
-              <a:lvl5pPr marL="1828800" algn="l" defTabSz="457200" rtl="0" eaLnBrk="1" latinLnBrk="0" hangingPunct="1">
-                <a:defRPr sz="1800" kern="1200">
-                  <a:solidFill>
-                    <a:schemeClr val="tx1"/>
-                  </a:solidFill>
-                  <a:latin typeface="+mn-lt"/>
-                  <a:ea typeface="+mn-ea"/>
-                  <a:cs typeface="+mn-cs"/>
-                </a:defRPr>
-              </a:lvl5pPr>
-              <a:lvl6pPr marL="2286000" algn="l" defTabSz="457200" rtl="0" eaLnBrk="1" latinLnBrk="0" hangingPunct="1">
-                <a:defRPr sz="1800" kern="1200">
-                  <a:solidFill>
-                    <a:schemeClr val="tx1"/>
-                  </a:solidFill>
-                  <a:latin typeface="+mn-lt"/>
-                  <a:ea typeface="+mn-ea"/>
-                  <a:cs typeface="+mn-cs"/>
-                </a:defRPr>
-              </a:lvl6pPr>
-              <a:lvl7pPr marL="2743200" algn="l" defTabSz="457200" rtl="0" eaLnBrk="1" latinLnBrk="0" hangingPunct="1">
-                <a:defRPr sz="1800" kern="1200">
-                  <a:solidFill>
-                    <a:schemeClr val="tx1"/>
-                  </a:solidFill>
-                  <a:latin typeface="+mn-lt"/>
-                  <a:ea typeface="+mn-ea"/>
-                  <a:cs typeface="+mn-cs"/>
-                </a:defRPr>
-              </a:lvl7pPr>
-              <a:lvl8pPr marL="3200400" algn="l" defTabSz="457200" rtl="0" eaLnBrk="1" latinLnBrk="0" hangingPunct="1">
-                <a:defRPr sz="1800" kern="1200">
-                  <a:solidFill>
-                    <a:schemeClr val="tx1"/>
-                  </a:solidFill>
-                  <a:latin typeface="+mn-lt"/>
-                  <a:ea typeface="+mn-ea"/>
-                  <a:cs typeface="+mn-cs"/>
-                </a:defRPr>
-              </a:lvl8pPr>
-              <a:lvl9pPr marL="3657600" algn="l" defTabSz="457200" rtl="0" eaLnBrk="1" latinLnBrk="0" hangingPunct="1">
-                <a:defRPr sz="1800" kern="1200">
-                  <a:solidFill>
-                    <a:schemeClr val="tx1"/>
-                  </a:solidFill>
-                  <a:latin typeface="+mn-lt"/>
-                  <a:ea typeface="+mn-ea"/>
-                  <a:cs typeface="+mn-cs"/>
-                </a:defRPr>
-              </a:lvl9pPr>
-            </a:lstStyle>
-            <a:p>
-              <a:pPr marL="0" marR="0" lvl="0" indent="0" algn="ctr" defTabSz="457200" rtl="0" eaLnBrk="1" fontAlgn="auto" latinLnBrk="0" hangingPunct="1">
-                <a:lnSpc>
-                  <a:spcPct val="100000"/>
-                </a:lnSpc>
-                <a:spcBef>
-                  <a:spcPts val="0"/>
-                </a:spcBef>
-                <a:spcAft>
-                  <a:spcPts val="0"/>
-                </a:spcAft>
-                <a:buClrTx/>
-                <a:buSzTx/>
-                <a:buFontTx/>
-                <a:buNone/>
-                <a:tabLst/>
-                <a:defRPr/>
-              </a:pPr>
-              <a:r>
-                <a:rPr kumimoji="1" lang="ko-KR" altLang="en-US" sz="3200" b="1" dirty="0">
-                  <a:solidFill>
-                    <a:schemeClr val="tx1">
-                      <a:lumMod val="75000"/>
-                      <a:lumOff val="25000"/>
-                    </a:schemeClr>
-                  </a:solidFill>
-                  <a:latin typeface="맑은 고딕" panose="020B0503020000020004" pitchFamily="50" charset="-127"/>
-                  <a:ea typeface="맑은 고딕" panose="020B0503020000020004" pitchFamily="50" charset="-127"/>
-                  <a:cs typeface="+mn-ea"/>
-                  <a:sym typeface="+mn-lt"/>
-                </a:rPr>
-                <a:t>주제 제안 </a:t>
-              </a:r>
-              <a:r>
-                <a:rPr kumimoji="1" lang="en-US" altLang="ko-KR" sz="3200" b="1" dirty="0">
-                  <a:solidFill>
-                    <a:schemeClr val="tx1">
-                      <a:lumMod val="75000"/>
-                      <a:lumOff val="25000"/>
-                    </a:schemeClr>
-                  </a:solidFill>
-                  <a:latin typeface="맑은 고딕" panose="020B0503020000020004" pitchFamily="50" charset="-127"/>
-                  <a:ea typeface="맑은 고딕" panose="020B0503020000020004" pitchFamily="50" charset="-127"/>
-                  <a:cs typeface="+mn-ea"/>
-                  <a:sym typeface="+mn-lt"/>
-                </a:rPr>
-                <a:t>(2/5)</a:t>
-              </a:r>
-              <a:endParaRPr kumimoji="1" lang="zh-CN" altLang="en-US" sz="3200" b="1" i="0" u="none" strike="noStrike" kern="1200" cap="none" spc="0" normalizeH="0" baseline="0" noProof="0" dirty="0">
-                <a:ln>
-                  <a:noFill/>
-                </a:ln>
-                <a:solidFill>
-                  <a:schemeClr val="tx1">
-                    <a:lumMod val="75000"/>
-                    <a:lumOff val="25000"/>
-                  </a:schemeClr>
-                </a:solidFill>
-                <a:effectLst/>
-                <a:uLnTx/>
-                <a:uFillTx/>
-                <a:latin typeface="맑은 고딕" panose="020B0503020000020004" pitchFamily="50" charset="-127"/>
-                <a:ea typeface="맑은 고딕" panose="020B0503020000020004" pitchFamily="50" charset="-127"/>
-                <a:cs typeface="+mn-ea"/>
-                <a:sym typeface="+mn-lt"/>
-              </a:endParaRPr>
-            </a:p>
-          </p:txBody>
-        </p:sp>
-        <p:cxnSp>
-          <p:nvCxnSpPr>
-            <p:cNvPr id="44" name="直接连接符 5"/>
-            <p:cNvCxnSpPr/>
-            <p:nvPr/>
-          </p:nvCxnSpPr>
-          <p:spPr>
-            <a:xfrm>
-              <a:off x="4927755" y="1892087"/>
-              <a:ext cx="0" cy="579862"/>
-            </a:xfrm>
-            <a:prstGeom prst="line">
-              <a:avLst/>
-            </a:prstGeom>
-            <a:ln w="12700">
-              <a:solidFill>
-                <a:schemeClr val="bg1">
-                  <a:lumMod val="75000"/>
-                </a:schemeClr>
-              </a:solidFill>
-            </a:ln>
-          </p:spPr>
-          <p:style>
-            <a:lnRef idx="1">
-              <a:schemeClr val="accent1"/>
-            </a:lnRef>
-            <a:fillRef idx="0">
-              <a:schemeClr val="accent1"/>
-            </a:fillRef>
-            <a:effectRef idx="0">
-              <a:schemeClr val="accent1"/>
-            </a:effectRef>
-            <a:fontRef idx="minor">
-              <a:schemeClr val="tx1"/>
-            </a:fontRef>
-          </p:style>
-        </p:cxnSp>
-      </p:grpSp>
-      <p:cxnSp>
-        <p:nvCxnSpPr>
-          <p:cNvPr id="49" name="직선 연결선 48"/>
-          <p:cNvCxnSpPr/>
-          <p:nvPr/>
-        </p:nvCxnSpPr>
-        <p:spPr>
-          <a:xfrm>
-            <a:off x="400140" y="1235678"/>
-            <a:ext cx="4059893" cy="26351"/>
-          </a:xfrm>
-          <a:prstGeom prst="line">
-            <a:avLst/>
-          </a:prstGeom>
-        </p:spPr>
-        <p:style>
-          <a:lnRef idx="1">
-            <a:schemeClr val="accent1"/>
-          </a:lnRef>
-          <a:fillRef idx="0">
-            <a:schemeClr val="accent1"/>
-          </a:fillRef>
-          <a:effectRef idx="0">
-            <a:schemeClr val="accent1"/>
-          </a:effectRef>
-          <a:fontRef idx="minor">
-            <a:schemeClr val="tx1"/>
-          </a:fontRef>
-        </p:style>
-      </p:cxnSp>
-    </p:spTree>
-    <p:extLst>
-      <p:ext uri="{BB962C8B-B14F-4D97-AF65-F5344CB8AC3E}">
-        <p14:creationId xmlns:p14="http://schemas.microsoft.com/office/powerpoint/2010/main" val="1311663866"/>
-      </p:ext>
-    </p:extLst>
-  </p:cSld>
-  <p:clrMapOvr>
-    <a:masterClrMapping/>
-  </p:clrMapOvr>
-  <p:timing>
-    <p:tnLst>
-      <p:par>
-        <p:cTn id="1" dur="indefinite" restart="never" nodeType="tmRoot"/>
-      </p:par>
-    </p:tnLst>
-  </p:timing>
-</p:sld>
-</file>
-
-<file path=ppt/slides/slide11.xml><?xml version="1.0" encoding="utf-8"?>
-<p:sld xmlns:a="http://schemas.openxmlformats.org/drawingml/2006/main" xmlns:r="http://schemas.openxmlformats.org/officeDocument/2006/relationships" xmlns:p="http://schemas.openxmlformats.org/presentationml/2006/main">
-  <p:cSld>
-    <p:spTree>
-      <p:nvGrpSpPr>
-        <p:cNvPr id="1" name=""/>
-        <p:cNvGrpSpPr/>
-        <p:nvPr/>
-      </p:nvGrpSpPr>
-      <p:grpSpPr>
-        <a:xfrm>
-          <a:off x="0" y="0"/>
-          <a:ext cx="0" cy="0"/>
-          <a:chOff x="0" y="0"/>
-          <a:chExt cx="0" cy="0"/>
-        </a:xfrm>
-      </p:grpSpPr>
-      <p:sp>
-        <p:nvSpPr>
-          <p:cNvPr id="2" name="슬라이드 번호 개체 틀 1"/>
-          <p:cNvSpPr>
-            <a:spLocks noGrp="1"/>
-          </p:cNvSpPr>
-          <p:nvPr>
-            <p:ph type="sldNum" sz="quarter" idx="12"/>
-          </p:nvPr>
-        </p:nvSpPr>
-        <p:spPr/>
-        <p:txBody>
-          <a:bodyPr/>
-          <a:lstStyle/>
-          <a:p>
-            <a:pPr marL="0" marR="0" lvl="0" indent="0" algn="ctr" defTabSz="914400" rtl="0" eaLnBrk="1" fontAlgn="auto" latinLnBrk="0" hangingPunct="1">
-              <a:lnSpc>
-                <a:spcPct val="100000"/>
-              </a:lnSpc>
-              <a:spcBef>
-                <a:spcPts val="0"/>
-              </a:spcBef>
-              <a:spcAft>
-                <a:spcPts val="0"/>
-              </a:spcAft>
-              <a:buClrTx/>
-              <a:buSzTx/>
-              <a:buFontTx/>
-              <a:buNone/>
-              <a:tabLst/>
-              <a:defRPr/>
-            </a:pPr>
-            <a:fld id="{FCEE2C88-6C8F-484D-AF69-578F576B1F44}" type="slidenum">
-              <a:rPr kumimoji="0" lang="en-US" sz="1000" b="0" i="0" u="none" strike="noStrike" kern="1200" cap="none" spc="0" normalizeH="0" baseline="0" noProof="0" smtClean="0">
-                <a:ln>
-                  <a:noFill/>
-                </a:ln>
-                <a:effectLst/>
-                <a:uLnTx/>
-                <a:uFillTx/>
-                <a:latin typeface="Lato" panose="020F0502020204030203" pitchFamily="34" charset="0"/>
-                <a:ea typeface="微软雅黑"/>
-                <a:cs typeface="+mn-cs"/>
-              </a:rPr>
-              <a:pPr marL="0" marR="0" lvl="0" indent="0" algn="ctr" defTabSz="914400" rtl="0" eaLnBrk="1" fontAlgn="auto" latinLnBrk="0" hangingPunct="1">
-                <a:lnSpc>
-                  <a:spcPct val="100000"/>
-                </a:lnSpc>
-                <a:spcBef>
-                  <a:spcPts val="0"/>
-                </a:spcBef>
-                <a:spcAft>
-                  <a:spcPts val="0"/>
-                </a:spcAft>
-                <a:buClrTx/>
-                <a:buSzTx/>
-                <a:buFontTx/>
-                <a:buNone/>
-                <a:tabLst/>
-                <a:defRPr/>
-              </a:pPr>
-              <a:t>11</a:t>
-            </a:fld>
-            <a:endParaRPr kumimoji="0" lang="en-US" sz="1000" b="0" i="0" u="none" strike="noStrike" kern="1200" cap="none" spc="0" normalizeH="0" baseline="0" noProof="0" dirty="0">
-              <a:ln>
-                <a:noFill/>
-              </a:ln>
-              <a:effectLst/>
-              <a:uLnTx/>
-              <a:uFillTx/>
-              <a:latin typeface="Lato" panose="020F0502020204030203" pitchFamily="34" charset="0"/>
-              <a:ea typeface="微软雅黑"/>
-              <a:cs typeface="+mn-cs"/>
-            </a:endParaRPr>
-          </a:p>
-        </p:txBody>
-      </p:sp>
-      <p:sp>
-        <p:nvSpPr>
           <p:cNvPr id="3" name="矩形 10"/>
           <p:cNvSpPr/>
           <p:nvPr/>
@@ -3817,12 +2556,8 @@
           <a:lstStyle/>
           <a:p>
             <a:r>
-              <a:rPr lang="en-US" altLang="ko-KR" dirty="0" smtClean="0"/>
-              <a:t>[</a:t>
-            </a:r>
-            <a:r>
-              <a:rPr lang="en-US" altLang="ko-KR" dirty="0" smtClean="0"/>
-              <a:t>10]</a:t>
+              <a:rPr lang="en-US" altLang="ko-KR" dirty="0"/>
+              <a:t>[10]</a:t>
             </a:r>
             <a:endParaRPr lang="ko-KR" altLang="en-US" dirty="0"/>
           </a:p>
@@ -4025,7 +2760,7 @@
           <a:p>
             <a:pPr lvl="1"/>
             <a:r>
-              <a:rPr lang="ko-KR" altLang="en-US" sz="2500" b="1" dirty="0" smtClean="0"/>
+              <a:rPr lang="ko-KR" altLang="en-US" sz="2500" b="1" dirty="0"/>
               <a:t>사용 기술</a:t>
             </a:r>
             <a:r>
@@ -4242,14 +2977,10 @@
             </a:r>
             <a:r>
               <a:rPr lang="ko-KR" altLang="en-US" sz="2000" dirty="0"/>
-              <a:t>를 통해 연산을 </a:t>
-            </a:r>
-            <a:r>
-              <a:rPr lang="ko-KR" altLang="en-US" sz="2000" dirty="0" smtClean="0"/>
-              <a:t>수행합니다</a:t>
-            </a:r>
-            <a:r>
-              <a:rPr lang="en-US" altLang="ko-KR" sz="2000" dirty="0" smtClean="0"/>
+              <a:t>를 통해 연산을 수행합니다</a:t>
+            </a:r>
+            <a:r>
+              <a:rPr lang="en-US" altLang="ko-KR" sz="2000" dirty="0"/>
               <a:t>.</a:t>
             </a:r>
           </a:p>
@@ -4277,16 +3008,8 @@
           <a:lstStyle/>
           <a:p>
             <a:r>
-              <a:rPr lang="en-US" altLang="ko-KR" dirty="0" smtClean="0"/>
-              <a:t>[</a:t>
-            </a:r>
-            <a:r>
-              <a:rPr lang="en-US" altLang="ko-KR" dirty="0" smtClean="0"/>
-              <a:t>9</a:t>
-            </a:r>
-            <a:r>
               <a:rPr lang="en-US" altLang="ko-KR" dirty="0"/>
-              <a:t>]</a:t>
+              <a:t>[9]</a:t>
             </a:r>
             <a:endParaRPr lang="ko-KR" altLang="en-US" dirty="0"/>
           </a:p>
@@ -4700,7 +3423,7 @@
                 <a:defRPr/>
               </a:pPr>
               <a:r>
-                <a:rPr kumimoji="1" lang="ko-KR" altLang="en-US" sz="3200" b="1" dirty="0" smtClean="0">
+                <a:rPr kumimoji="1" lang="ko-KR" altLang="en-US" sz="3200" b="1" dirty="0">
                   <a:solidFill>
                     <a:schemeClr val="tx1">
                       <a:lumMod val="75000"/>
@@ -4715,7 +3438,7 @@
                 <a:t>주제 제안 </a:t>
               </a:r>
               <a:r>
-                <a:rPr kumimoji="1" lang="en-US" altLang="ko-KR" sz="3200" b="1" dirty="0" smtClean="0">
+                <a:rPr kumimoji="1" lang="en-US" altLang="ko-KR" sz="3200" b="1" dirty="0">
                   <a:solidFill>
                     <a:schemeClr val="tx1">
                       <a:lumMod val="75000"/>
@@ -4727,7 +3450,7 @@
                   <a:cs typeface="+mn-ea"/>
                   <a:sym typeface="+mn-lt"/>
                 </a:rPr>
-                <a:t>(3/6)</a:t>
+                <a:t>(2/6)</a:t>
               </a:r>
               <a:endParaRPr kumimoji="1" lang="zh-CN" altLang="en-US" sz="3200" b="1" i="0" u="none" strike="noStrike" kern="1200" cap="none" spc="0" normalizeH="0" baseline="0" noProof="0" dirty="0">
                 <a:ln>
@@ -4828,17 +3551,10 @@
   <p:clrMapOvr>
     <a:masterClrMapping/>
   </p:clrMapOvr>
-  <p:timing>
-    <p:tnLst>
-      <p:par>
-        <p:cTn id="1" dur="indefinite" restart="never" nodeType="tmRoot"/>
-      </p:par>
-    </p:tnLst>
-  </p:timing>
 </p:sld>
 </file>
 
-<file path=ppt/slides/slide12.xml><?xml version="1.0" encoding="utf-8"?>
+<file path=ppt/slides/slide11.xml><?xml version="1.0" encoding="utf-8"?>
 <p:sld xmlns:a="http://schemas.openxmlformats.org/drawingml/2006/main" xmlns:r="http://schemas.openxmlformats.org/officeDocument/2006/relationships" xmlns:p="http://schemas.openxmlformats.org/presentationml/2006/main">
   <p:cSld>
     <p:spTree>
@@ -4916,7 +3632,7 @@
                 <a:tabLst/>
                 <a:defRPr/>
               </a:pPr>
-              <a:t>12</a:t>
+              <a:t>11</a:t>
             </a:fld>
             <a:endParaRPr kumimoji="0" lang="en-US" sz="1000" b="0" i="0" u="none" strike="noStrike" kern="1200" cap="none" spc="0" normalizeH="0" baseline="0" noProof="0" dirty="0">
               <a:ln>
@@ -6180,7 +4896,7 @@
           <a:p>
             <a:pPr lvl="1"/>
             <a:r>
-              <a:rPr lang="ko-KR" altLang="en-US" sz="2500" b="1" dirty="0" smtClean="0"/>
+              <a:rPr lang="ko-KR" altLang="en-US" sz="2500" b="1" dirty="0"/>
               <a:t>사용 기술</a:t>
             </a:r>
             <a:r>
@@ -6322,12 +5038,8 @@
           <a:lstStyle/>
           <a:p>
             <a:r>
-              <a:rPr lang="en-US" altLang="ko-KR" dirty="0" smtClean="0"/>
-              <a:t>[</a:t>
-            </a:r>
-            <a:r>
-              <a:rPr lang="en-US" altLang="ko-KR" dirty="0" smtClean="0"/>
-              <a:t>11]</a:t>
+              <a:rPr lang="en-US" altLang="ko-KR" dirty="0"/>
+              <a:t>[11]</a:t>
             </a:r>
             <a:endParaRPr lang="ko-KR" altLang="en-US" dirty="0"/>
           </a:p>
@@ -6717,7 +5429,7 @@
                 <a:defRPr/>
               </a:pPr>
               <a:r>
-                <a:rPr kumimoji="1" lang="ko-KR" altLang="en-US" sz="3200" b="1" dirty="0" smtClean="0">
+                <a:rPr kumimoji="1" lang="ko-KR" altLang="en-US" sz="3200" b="1" dirty="0">
                   <a:solidFill>
                     <a:schemeClr val="tx1">
                       <a:lumMod val="75000"/>
@@ -6732,7 +5444,7 @@
                 <a:t>주제 제안 </a:t>
               </a:r>
               <a:r>
-                <a:rPr kumimoji="1" lang="en-US" altLang="ko-KR" sz="3200" b="1" dirty="0" smtClean="0">
+                <a:rPr kumimoji="1" lang="en-US" altLang="ko-KR" sz="3200" b="1" dirty="0">
                   <a:solidFill>
                     <a:schemeClr val="tx1">
                       <a:lumMod val="75000"/>
@@ -6744,7 +5456,7 @@
                   <a:cs typeface="+mn-ea"/>
                   <a:sym typeface="+mn-lt"/>
                 </a:rPr>
-                <a:t>(4/6)</a:t>
+                <a:t>(3/6)</a:t>
               </a:r>
               <a:endParaRPr kumimoji="1" lang="zh-CN" altLang="en-US" sz="3200" b="1" i="0" u="none" strike="noStrike" kern="1200" cap="none" spc="0" normalizeH="0" baseline="0" noProof="0" dirty="0">
                 <a:ln>
@@ -6845,17 +5557,10 @@
   <p:clrMapOvr>
     <a:masterClrMapping/>
   </p:clrMapOvr>
-  <p:timing>
-    <p:tnLst>
-      <p:par>
-        <p:cTn id="1" dur="indefinite" restart="never" nodeType="tmRoot"/>
-      </p:par>
-    </p:tnLst>
-  </p:timing>
 </p:sld>
 </file>
 
-<file path=ppt/slides/slide13.xml><?xml version="1.0" encoding="utf-8"?>
+<file path=ppt/slides/slide12.xml><?xml version="1.0" encoding="utf-8"?>
 <p:sld xmlns:a="http://schemas.openxmlformats.org/drawingml/2006/main" xmlns:r="http://schemas.openxmlformats.org/officeDocument/2006/relationships" xmlns:p="http://schemas.openxmlformats.org/presentationml/2006/main">
   <p:cSld>
     <p:spTree>
@@ -6933,7 +5638,7 @@
                 <a:tabLst/>
                 <a:defRPr/>
               </a:pPr>
-              <a:t>13</a:t>
+              <a:t>12</a:t>
             </a:fld>
             <a:endParaRPr kumimoji="0" lang="en-US" sz="1000" b="0" i="0" u="none" strike="noStrike" kern="1200" cap="none" spc="0" normalizeH="0" baseline="0" noProof="0" dirty="0">
               <a:ln>
@@ -8757,7 +7462,7 @@
           <a:p>
             <a:pPr lvl="1"/>
             <a:r>
-              <a:rPr lang="ko-KR" altLang="en-US" sz="2500" b="1" dirty="0" smtClean="0"/>
+              <a:rPr lang="ko-KR" altLang="en-US" sz="2500" b="1" dirty="0"/>
               <a:t>사용 기술</a:t>
             </a:r>
             <a:r>
@@ -8765,7 +7470,7 @@
               <a:t>: </a:t>
             </a:r>
             <a:r>
-              <a:rPr lang="en-US" altLang="ko-KR" sz="2500" b="1" u="sng" dirty="0" err="1" smtClean="0"/>
+              <a:rPr lang="en-US" altLang="ko-KR" sz="2500" b="1" u="sng" dirty="0" err="1"/>
               <a:t>dHash</a:t>
             </a:r>
             <a:r>
@@ -8882,16 +7587,8 @@
           <a:lstStyle/>
           <a:p>
             <a:r>
-              <a:rPr lang="en-US" altLang="ko-KR" dirty="0" smtClean="0"/>
-              <a:t>[</a:t>
-            </a:r>
-            <a:r>
-              <a:rPr lang="en-US" altLang="ko-KR" dirty="0" smtClean="0"/>
-              <a:t>12</a:t>
-            </a:r>
-            <a:r>
               <a:rPr lang="en-US" altLang="ko-KR" dirty="0"/>
-              <a:t>]</a:t>
+              <a:t>[12]</a:t>
             </a:r>
             <a:endParaRPr lang="ko-KR" altLang="en-US" dirty="0"/>
           </a:p>
@@ -9443,22 +8140,7 @@
                   <a:cs typeface="+mn-ea"/>
                   <a:sym typeface="+mn-lt"/>
                 </a:rPr>
-                <a:t>(</a:t>
-              </a:r>
-              <a:r>
-                <a:rPr kumimoji="1" lang="en-US" altLang="ko-KR" sz="3200" b="1" dirty="0" smtClean="0">
-                  <a:solidFill>
-                    <a:schemeClr val="tx1">
-                      <a:lumMod val="75000"/>
-                      <a:lumOff val="25000"/>
-                    </a:schemeClr>
-                  </a:solidFill>
-                  <a:latin typeface="맑은 고딕" panose="020B0503020000020004" pitchFamily="50" charset="-127"/>
-                  <a:ea typeface="맑은 고딕" panose="020B0503020000020004" pitchFamily="50" charset="-127"/>
-                  <a:cs typeface="+mn-ea"/>
-                  <a:sym typeface="+mn-lt"/>
-                </a:rPr>
-                <a:t>5/6)</a:t>
+                <a:t>(4/6)</a:t>
               </a:r>
               <a:endParaRPr kumimoji="1" lang="zh-CN" altLang="en-US" sz="3200" b="1" i="0" u="none" strike="noStrike" kern="1200" cap="none" spc="0" normalizeH="0" baseline="0" noProof="0" dirty="0">
                 <a:ln>
@@ -9559,17 +8241,10 @@
   <p:clrMapOvr>
     <a:masterClrMapping/>
   </p:clrMapOvr>
-  <p:timing>
-    <p:tnLst>
-      <p:par>
-        <p:cTn id="1" dur="indefinite" restart="never" nodeType="tmRoot"/>
-      </p:par>
-    </p:tnLst>
-  </p:timing>
 </p:sld>
 </file>
 
-<file path=ppt/slides/slide14.xml><?xml version="1.0" encoding="utf-8"?>
+<file path=ppt/slides/slide13.xml><?xml version="1.0" encoding="utf-8"?>
 <p:sld xmlns:a="http://schemas.openxmlformats.org/drawingml/2006/main" xmlns:r="http://schemas.openxmlformats.org/officeDocument/2006/relationships" xmlns:p="http://schemas.openxmlformats.org/presentationml/2006/main">
   <p:cSld>
     <p:spTree>
@@ -9647,7 +8322,7 @@
                 <a:tabLst/>
                 <a:defRPr/>
               </a:pPr>
-              <a:t>14</a:t>
+              <a:t>13</a:t>
             </a:fld>
             <a:endParaRPr kumimoji="0" lang="en-US" sz="1000" b="0" i="0" u="none" strike="noStrike" kern="1200" cap="none" spc="0" normalizeH="0" baseline="0" noProof="0" dirty="0">
               <a:ln>
@@ -10925,7 +9600,7 @@
                 <a:defRPr/>
               </a:pPr>
               <a:r>
-                <a:rPr kumimoji="1" lang="ko-KR" altLang="en-US" sz="3200" b="1" dirty="0" smtClean="0">
+                <a:rPr kumimoji="1" lang="ko-KR" altLang="en-US" sz="3200" b="1" dirty="0">
                   <a:solidFill>
                     <a:schemeClr val="tx1">
                       <a:lumMod val="75000"/>
@@ -10940,7 +9615,7 @@
                 <a:t>주제 제안 </a:t>
               </a:r>
               <a:r>
-                <a:rPr kumimoji="1" lang="en-US" altLang="ko-KR" sz="3200" b="1" dirty="0" smtClean="0">
+                <a:rPr kumimoji="1" lang="en-US" altLang="ko-KR" sz="3200" b="1" dirty="0">
                   <a:solidFill>
                     <a:schemeClr val="tx1">
                       <a:lumMod val="75000"/>
@@ -10952,7 +9627,7 @@
                   <a:cs typeface="+mn-ea"/>
                   <a:sym typeface="+mn-lt"/>
                 </a:rPr>
-                <a:t>(6/6)</a:t>
+                <a:t>(5/6)</a:t>
               </a:r>
               <a:endParaRPr kumimoji="1" lang="zh-CN" altLang="en-US" sz="3200" b="1" i="0" u="none" strike="noStrike" kern="1200" cap="none" spc="0" normalizeH="0" baseline="0" noProof="0" dirty="0">
                 <a:ln>
@@ -11067,7 +9742,7 @@
           <a:p>
             <a:pPr lvl="1"/>
             <a:r>
-              <a:rPr lang="ko-KR" altLang="en-US" sz="2500" b="1" dirty="0" smtClean="0"/>
+              <a:rPr lang="ko-KR" altLang="en-US" sz="2500" b="1" dirty="0"/>
               <a:t>개발 환경</a:t>
             </a:r>
             <a:endParaRPr lang="en-US" altLang="ko-KR" sz="2000" dirty="0"/>
@@ -11109,7 +9784,7 @@
               <a:buChar char="•"/>
             </a:pPr>
             <a:r>
-              <a:rPr lang="en-US" altLang="ko-KR" dirty="0" smtClean="0"/>
+              <a:rPr lang="en-US" altLang="ko-KR" dirty="0"/>
               <a:t>OS: Ubuntu 16.04.6 LTS</a:t>
             </a:r>
           </a:p>
@@ -11152,12 +9827,8 @@
               <a:buChar char="•"/>
             </a:pPr>
             <a:r>
-              <a:rPr lang="en-US" altLang="ko-KR" dirty="0" smtClean="0"/>
-              <a:t>CNN – </a:t>
-            </a:r>
-            <a:r>
-              <a:rPr lang="en-US" altLang="ko-KR" dirty="0" smtClean="0"/>
-              <a:t>Inception V3</a:t>
+              <a:rPr lang="en-US" altLang="ko-KR" dirty="0"/>
+              <a:t>CNN – Inception V3</a:t>
             </a:r>
             <a:endParaRPr lang="ko-KR" altLang="en-US" dirty="0"/>
           </a:p>
@@ -11237,7 +9908,7 @@
               <a:buFont typeface="Arial" panose="020B0604020202020204" pitchFamily="34" charset="0"/>
               <a:buChar char="•"/>
             </a:pPr>
-            <a:endParaRPr lang="en-US" altLang="ko-KR" dirty="0" smtClean="0"/>
+            <a:endParaRPr lang="en-US" altLang="ko-KR" dirty="0"/>
           </a:p>
           <a:p>
             <a:pPr marL="342900" indent="-342900">
@@ -11348,18 +10019,18 @@
               <a:buChar char="•"/>
             </a:pPr>
             <a:r>
-              <a:rPr lang="en-US" altLang="ko-KR" dirty="0" err="1" smtClean="0"/>
+              <a:rPr lang="en-US" altLang="ko-KR" dirty="0" err="1"/>
               <a:t>Pycharm</a:t>
             </a:r>
             <a:r>
-              <a:rPr lang="en-US" altLang="ko-KR" dirty="0" smtClean="0"/>
+              <a:rPr lang="en-US" altLang="ko-KR" dirty="0"/>
               <a:t> - Python </a:t>
             </a:r>
             <a:r>
-              <a:rPr lang="ko-KR" altLang="en-US" dirty="0" smtClean="0"/>
+              <a:rPr lang="ko-KR" altLang="en-US" dirty="0"/>
               <a:t>개발 환경</a:t>
             </a:r>
-            <a:endParaRPr lang="en-US" altLang="ko-KR" dirty="0" smtClean="0"/>
+            <a:endParaRPr lang="en-US" altLang="ko-KR" dirty="0"/>
           </a:p>
           <a:p>
             <a:pPr marL="342900" indent="-342900">
@@ -11383,13 +10054,942 @@
   <p:clrMapOvr>
     <a:masterClrMapping/>
   </p:clrMapOvr>
-  <p:timing>
-    <p:tnLst>
-      <p:par>
-        <p:cTn id="1" dur="indefinite" restart="never" nodeType="tmRoot"/>
-      </p:par>
-    </p:tnLst>
-  </p:timing>
+</p:sld>
+</file>
+
+<file path=ppt/slides/slide14.xml><?xml version="1.0" encoding="utf-8"?>
+<p:sld xmlns:a="http://schemas.openxmlformats.org/drawingml/2006/main" xmlns:r="http://schemas.openxmlformats.org/officeDocument/2006/relationships" xmlns:p="http://schemas.openxmlformats.org/presentationml/2006/main">
+  <p:cSld>
+    <p:spTree>
+      <p:nvGrpSpPr>
+        <p:cNvPr id="1" name=""/>
+        <p:cNvGrpSpPr/>
+        <p:nvPr/>
+      </p:nvGrpSpPr>
+      <p:grpSpPr>
+        <a:xfrm>
+          <a:off x="0" y="0"/>
+          <a:ext cx="0" cy="0"/>
+          <a:chOff x="0" y="0"/>
+          <a:chExt cx="0" cy="0"/>
+        </a:xfrm>
+      </p:grpSpPr>
+      <p:sp>
+        <p:nvSpPr>
+          <p:cNvPr id="2" name="슬라이드 번호 개체 틀 1"/>
+          <p:cNvSpPr>
+            <a:spLocks noGrp="1"/>
+          </p:cNvSpPr>
+          <p:nvPr>
+            <p:ph type="sldNum" sz="quarter" idx="12"/>
+          </p:nvPr>
+        </p:nvSpPr>
+        <p:spPr/>
+        <p:txBody>
+          <a:bodyPr/>
+          <a:lstStyle/>
+          <a:p>
+            <a:pPr marL="0" marR="0" lvl="0" indent="0" algn="ctr" defTabSz="914400" rtl="0" eaLnBrk="1" fontAlgn="auto" latinLnBrk="0" hangingPunct="1">
+              <a:lnSpc>
+                <a:spcPct val="100000"/>
+              </a:lnSpc>
+              <a:spcBef>
+                <a:spcPts val="0"/>
+              </a:spcBef>
+              <a:spcAft>
+                <a:spcPts val="0"/>
+              </a:spcAft>
+              <a:buClrTx/>
+              <a:buSzTx/>
+              <a:buFontTx/>
+              <a:buNone/>
+              <a:tabLst/>
+              <a:defRPr/>
+            </a:pPr>
+            <a:fld id="{FCEE2C88-6C8F-484D-AF69-578F576B1F44}" type="slidenum">
+              <a:rPr kumimoji="0" lang="en-US" sz="1000" b="0" i="0" u="none" strike="noStrike" kern="1200" cap="none" spc="0" normalizeH="0" baseline="0" noProof="0" smtClean="0">
+                <a:ln>
+                  <a:noFill/>
+                </a:ln>
+                <a:effectLst/>
+                <a:uLnTx/>
+                <a:uFillTx/>
+                <a:latin typeface="Lato" panose="020F0502020204030203" pitchFamily="34" charset="0"/>
+                <a:ea typeface="微软雅黑"/>
+                <a:cs typeface="+mn-cs"/>
+              </a:rPr>
+              <a:pPr marL="0" marR="0" lvl="0" indent="0" algn="ctr" defTabSz="914400" rtl="0" eaLnBrk="1" fontAlgn="auto" latinLnBrk="0" hangingPunct="1">
+                <a:lnSpc>
+                  <a:spcPct val="100000"/>
+                </a:lnSpc>
+                <a:spcBef>
+                  <a:spcPts val="0"/>
+                </a:spcBef>
+                <a:spcAft>
+                  <a:spcPts val="0"/>
+                </a:spcAft>
+                <a:buClrTx/>
+                <a:buSzTx/>
+                <a:buFontTx/>
+                <a:buNone/>
+                <a:tabLst/>
+                <a:defRPr/>
+              </a:pPr>
+              <a:t>14</a:t>
+            </a:fld>
+            <a:endParaRPr kumimoji="0" lang="en-US" sz="1000" b="0" i="0" u="none" strike="noStrike" kern="1200" cap="none" spc="0" normalizeH="0" baseline="0" noProof="0" dirty="0">
+              <a:ln>
+                <a:noFill/>
+              </a:ln>
+              <a:effectLst/>
+              <a:uLnTx/>
+              <a:uFillTx/>
+              <a:latin typeface="Lato" panose="020F0502020204030203" pitchFamily="34" charset="0"/>
+              <a:ea typeface="微软雅黑"/>
+              <a:cs typeface="+mn-cs"/>
+            </a:endParaRPr>
+          </a:p>
+        </p:txBody>
+      </p:sp>
+      <p:sp>
+        <p:nvSpPr>
+          <p:cNvPr id="3" name="TextBox 2"/>
+          <p:cNvSpPr txBox="1"/>
+          <p:nvPr/>
+        </p:nvSpPr>
+        <p:spPr>
+          <a:xfrm>
+            <a:off x="387568" y="1663780"/>
+            <a:ext cx="11575832" cy="718338"/>
+          </a:xfrm>
+          <a:prstGeom prst="rect">
+            <a:avLst/>
+          </a:prstGeom>
+          <a:noFill/>
+        </p:spPr>
+        <p:txBody>
+          <a:bodyPr wrap="square" rtlCol="0">
+            <a:spAutoFit/>
+          </a:bodyPr>
+          <a:lstStyle/>
+          <a:p>
+            <a:pPr algn="ctr">
+              <a:lnSpc>
+                <a:spcPct val="200000"/>
+              </a:lnSpc>
+            </a:pPr>
+            <a:r>
+              <a:rPr lang="en-US" altLang="ko-KR" sz="2400" b="1" dirty="0">
+                <a:solidFill>
+                  <a:srgbClr val="6600FF"/>
+                </a:solidFill>
+              </a:rPr>
+              <a:t>“</a:t>
+            </a:r>
+            <a:r>
+              <a:rPr lang="en-US" altLang="ko-KR" sz="2400" b="1" u="sng" dirty="0">
+                <a:solidFill>
+                  <a:srgbClr val="6600FF"/>
+                </a:solidFill>
+              </a:rPr>
+              <a:t>URL</a:t>
+            </a:r>
+            <a:r>
+              <a:rPr lang="ko-KR" altLang="en-US" sz="2400" b="1" u="sng" dirty="0">
+                <a:solidFill>
+                  <a:srgbClr val="6600FF"/>
+                </a:solidFill>
+              </a:rPr>
+              <a:t>과 </a:t>
+            </a:r>
+            <a:r>
+              <a:rPr lang="en-US" altLang="ko-KR" sz="2400" b="1" u="sng" dirty="0">
+                <a:solidFill>
+                  <a:srgbClr val="6600FF"/>
+                </a:solidFill>
+              </a:rPr>
+              <a:t>Image Comparison</a:t>
+            </a:r>
+            <a:r>
+              <a:rPr lang="ko-KR" altLang="en-US" sz="2400" b="1" u="sng" dirty="0">
+                <a:solidFill>
+                  <a:srgbClr val="6600FF"/>
+                </a:solidFill>
+              </a:rPr>
+              <a:t>을 이용한 웹사이트 위</a:t>
+            </a:r>
+            <a:r>
+              <a:rPr lang="en-US" altLang="ko-KR" sz="2400" b="1" u="sng" dirty="0">
+                <a:solidFill>
+                  <a:srgbClr val="6600FF"/>
+                </a:solidFill>
+              </a:rPr>
+              <a:t>•</a:t>
+            </a:r>
+            <a:r>
+              <a:rPr lang="ko-KR" altLang="en-US" sz="2400" b="1" u="sng" dirty="0">
+                <a:solidFill>
+                  <a:srgbClr val="6600FF"/>
+                </a:solidFill>
+              </a:rPr>
+              <a:t>변조 탐지 및 알림 서비스</a:t>
+            </a:r>
+            <a:r>
+              <a:rPr lang="en-US" altLang="ko-KR" sz="2400" b="1" dirty="0">
+                <a:solidFill>
+                  <a:srgbClr val="6600FF"/>
+                </a:solidFill>
+              </a:rPr>
+              <a:t>”</a:t>
+            </a:r>
+          </a:p>
+        </p:txBody>
+      </p:sp>
+      <p:sp>
+        <p:nvSpPr>
+          <p:cNvPr id="4" name="직사각형 3"/>
+          <p:cNvSpPr/>
+          <p:nvPr/>
+        </p:nvSpPr>
+        <p:spPr>
+          <a:xfrm>
+            <a:off x="211015" y="1574020"/>
+            <a:ext cx="11828585" cy="3759980"/>
+          </a:xfrm>
+          <a:prstGeom prst="rect">
+            <a:avLst/>
+          </a:prstGeom>
+          <a:noFill/>
+          <a:ln>
+            <a:noFill/>
+          </a:ln>
+        </p:spPr>
+        <p:style>
+          <a:lnRef idx="2">
+            <a:schemeClr val="accent1">
+              <a:shade val="50000"/>
+            </a:schemeClr>
+          </a:lnRef>
+          <a:fillRef idx="1">
+            <a:schemeClr val="accent1"/>
+          </a:fillRef>
+          <a:effectRef idx="0">
+            <a:schemeClr val="accent1"/>
+          </a:effectRef>
+          <a:fontRef idx="minor">
+            <a:schemeClr val="lt1"/>
+          </a:fontRef>
+        </p:style>
+        <p:txBody>
+          <a:bodyPr rtlCol="0" anchor="ctr"/>
+          <a:lstStyle/>
+          <a:p>
+            <a:pPr algn="ctr"/>
+            <a:endParaRPr lang="ko-KR" altLang="en-US"/>
+          </a:p>
+        </p:txBody>
+      </p:sp>
+      <p:sp>
+        <p:nvSpPr>
+          <p:cNvPr id="5" name="TextBox 4"/>
+          <p:cNvSpPr txBox="1"/>
+          <p:nvPr/>
+        </p:nvSpPr>
+        <p:spPr>
+          <a:xfrm>
+            <a:off x="1086137" y="2690622"/>
+            <a:ext cx="9699094" cy="2831544"/>
+          </a:xfrm>
+          <a:prstGeom prst="rect">
+            <a:avLst/>
+          </a:prstGeom>
+          <a:noFill/>
+        </p:spPr>
+        <p:txBody>
+          <a:bodyPr wrap="square" rtlCol="0">
+            <a:spAutoFit/>
+          </a:bodyPr>
+          <a:lstStyle/>
+          <a:p>
+            <a:pPr marL="800100" lvl="1" indent="-342900" algn="just">
+              <a:lnSpc>
+                <a:spcPct val="200000"/>
+              </a:lnSpc>
+              <a:buFont typeface="Wingdings" panose="05000000000000000000" pitchFamily="2" charset="2"/>
+              <a:buChar char="ü"/>
+            </a:pPr>
+            <a:r>
+              <a:rPr lang="ko-KR" altLang="en-US" sz="2000" dirty="0">
+                <a:solidFill>
+                  <a:srgbClr val="002060"/>
+                </a:solidFill>
+              </a:rPr>
+              <a:t>기존 연구에 사용 되었던 </a:t>
+            </a:r>
+            <a:r>
+              <a:rPr lang="en-US" altLang="ko-KR" sz="2000" dirty="0">
+                <a:solidFill>
+                  <a:srgbClr val="002060"/>
+                </a:solidFill>
+              </a:rPr>
+              <a:t>Feature Matching</a:t>
+            </a:r>
+            <a:r>
+              <a:rPr lang="ko-KR" altLang="en-US" sz="2000" dirty="0">
+                <a:solidFill>
+                  <a:srgbClr val="002060"/>
+                </a:solidFill>
+              </a:rPr>
+              <a:t>의 단점 보완</a:t>
+            </a:r>
+            <a:endParaRPr lang="en-US" altLang="ko-KR" sz="2000" dirty="0">
+              <a:solidFill>
+                <a:srgbClr val="002060"/>
+              </a:solidFill>
+            </a:endParaRPr>
+          </a:p>
+          <a:p>
+            <a:pPr marL="800100" lvl="1" indent="-342900" algn="just">
+              <a:lnSpc>
+                <a:spcPct val="200000"/>
+              </a:lnSpc>
+              <a:buFont typeface="Wingdings" panose="05000000000000000000" pitchFamily="2" charset="2"/>
+              <a:buChar char="ü"/>
+            </a:pPr>
+            <a:r>
+              <a:rPr lang="ko-KR" altLang="en-US" sz="2000" dirty="0">
+                <a:solidFill>
+                  <a:srgbClr val="002060"/>
+                </a:solidFill>
+              </a:rPr>
+              <a:t>탐지를 위한 </a:t>
+            </a:r>
+            <a:r>
+              <a:rPr lang="en-US" altLang="ko-KR" sz="2000" dirty="0">
+                <a:solidFill>
+                  <a:srgbClr val="002060"/>
+                </a:solidFill>
+              </a:rPr>
+              <a:t>Parameter</a:t>
+            </a:r>
+            <a:r>
+              <a:rPr lang="ko-KR" altLang="en-US" sz="2000" dirty="0">
+                <a:solidFill>
+                  <a:srgbClr val="002060"/>
+                </a:solidFill>
+              </a:rPr>
+              <a:t>로 </a:t>
+            </a:r>
+            <a:r>
+              <a:rPr lang="en-US" altLang="ko-KR" sz="2000" dirty="0">
+                <a:solidFill>
+                  <a:srgbClr val="002060"/>
+                </a:solidFill>
+              </a:rPr>
+              <a:t>URL</a:t>
+            </a:r>
+            <a:r>
+              <a:rPr lang="ko-KR" altLang="en-US" sz="2000" dirty="0">
+                <a:solidFill>
+                  <a:srgbClr val="002060"/>
+                </a:solidFill>
+              </a:rPr>
+              <a:t>만 사용했을 때의 결점을 보완  </a:t>
+            </a:r>
+            <a:endParaRPr lang="en-US" altLang="ko-KR" sz="2000" dirty="0">
+              <a:solidFill>
+                <a:srgbClr val="002060"/>
+              </a:solidFill>
+            </a:endParaRPr>
+          </a:p>
+          <a:p>
+            <a:pPr marL="800100" lvl="1" indent="-342900" algn="just">
+              <a:lnSpc>
+                <a:spcPct val="200000"/>
+              </a:lnSpc>
+              <a:buFont typeface="Wingdings" panose="05000000000000000000" pitchFamily="2" charset="2"/>
+              <a:buChar char="ü"/>
+            </a:pPr>
+            <a:r>
+              <a:rPr lang="ko-KR" altLang="en-US" sz="2000" dirty="0">
+                <a:solidFill>
+                  <a:srgbClr val="002060"/>
+                </a:solidFill>
+              </a:rPr>
+              <a:t>복합적인 필터를 이용한 </a:t>
+            </a:r>
+            <a:r>
+              <a:rPr lang="en-US" altLang="ko-KR" sz="2000" dirty="0">
+                <a:solidFill>
+                  <a:srgbClr val="002060"/>
+                </a:solidFill>
+              </a:rPr>
+              <a:t>Inception V3</a:t>
+            </a:r>
+            <a:r>
+              <a:rPr lang="ko-KR" altLang="en-US" sz="2000" dirty="0">
+                <a:solidFill>
+                  <a:srgbClr val="002060"/>
+                </a:solidFill>
+              </a:rPr>
+              <a:t>를 사용하여 보다 정교한 이미지 비교</a:t>
+            </a:r>
+            <a:endParaRPr lang="en-US" altLang="ko-KR" sz="2000" dirty="0">
+              <a:solidFill>
+                <a:srgbClr val="002060"/>
+              </a:solidFill>
+            </a:endParaRPr>
+          </a:p>
+          <a:p>
+            <a:pPr marL="800100" lvl="1" indent="-342900" algn="just">
+              <a:lnSpc>
+                <a:spcPct val="200000"/>
+              </a:lnSpc>
+              <a:buFont typeface="Wingdings" panose="05000000000000000000" pitchFamily="2" charset="2"/>
+              <a:buChar char="ü"/>
+            </a:pPr>
+            <a:r>
+              <a:rPr lang="en-US" altLang="ko-KR" sz="2000" dirty="0" err="1">
+                <a:solidFill>
+                  <a:srgbClr val="002060"/>
+                </a:solidFill>
+              </a:rPr>
+              <a:t>dHash</a:t>
+            </a:r>
+            <a:r>
+              <a:rPr lang="en-US" altLang="ko-KR" sz="2000" dirty="0">
+                <a:solidFill>
+                  <a:srgbClr val="002060"/>
+                </a:solidFill>
+              </a:rPr>
+              <a:t> </a:t>
+            </a:r>
+            <a:r>
+              <a:rPr lang="ko-KR" altLang="en-US" sz="2000" dirty="0">
+                <a:solidFill>
+                  <a:srgbClr val="002060"/>
+                </a:solidFill>
+              </a:rPr>
+              <a:t>알고리즘을 이용한 이미지 유사도 정확성 개선</a:t>
+            </a:r>
+          </a:p>
+          <a:p>
+            <a:endParaRPr lang="ko-KR" altLang="en-US" dirty="0"/>
+          </a:p>
+        </p:txBody>
+      </p:sp>
+      <p:grpSp>
+        <p:nvGrpSpPr>
+          <p:cNvPr id="6" name="组合 1"/>
+          <p:cNvGrpSpPr/>
+          <p:nvPr/>
+        </p:nvGrpSpPr>
+        <p:grpSpPr>
+          <a:xfrm>
+            <a:off x="387568" y="372475"/>
+            <a:ext cx="3949970" cy="751139"/>
+            <a:chOff x="4123410" y="1826618"/>
+            <a:chExt cx="3949970" cy="751139"/>
+          </a:xfrm>
+        </p:grpSpPr>
+        <p:grpSp>
+          <p:nvGrpSpPr>
+            <p:cNvPr id="7" name="组合 2"/>
+            <p:cNvGrpSpPr/>
+            <p:nvPr/>
+          </p:nvGrpSpPr>
+          <p:grpSpPr>
+            <a:xfrm>
+              <a:off x="4123410" y="1826618"/>
+              <a:ext cx="738875" cy="751139"/>
+              <a:chOff x="2498710" y="2311467"/>
+              <a:chExt cx="1748840" cy="1777866"/>
+            </a:xfrm>
+          </p:grpSpPr>
+          <p:sp>
+            <p:nvSpPr>
+              <p:cNvPr id="10" name="椭圆 6"/>
+              <p:cNvSpPr/>
+              <p:nvPr/>
+            </p:nvSpPr>
+            <p:spPr>
+              <a:xfrm>
+                <a:off x="2644792" y="2457549"/>
+                <a:ext cx="1456676" cy="1456676"/>
+              </a:xfrm>
+              <a:prstGeom prst="ellipse">
+                <a:avLst/>
+              </a:prstGeom>
+              <a:solidFill>
+                <a:schemeClr val="accent2"/>
+              </a:solidFill>
+              <a:ln>
+                <a:noFill/>
+              </a:ln>
+            </p:spPr>
+            <p:style>
+              <a:lnRef idx="2">
+                <a:schemeClr val="accent1">
+                  <a:shade val="50000"/>
+                </a:schemeClr>
+              </a:lnRef>
+              <a:fillRef idx="1">
+                <a:schemeClr val="accent1"/>
+              </a:fillRef>
+              <a:effectRef idx="0">
+                <a:schemeClr val="accent1"/>
+              </a:effectRef>
+              <a:fontRef idx="minor">
+                <a:schemeClr val="lt1"/>
+              </a:fontRef>
+            </p:style>
+            <p:txBody>
+              <a:bodyPr rot="0" spcFirstLastPara="0" vertOverflow="overflow" horzOverflow="overflow" vert="horz" wrap="square" lIns="91440" tIns="45720" rIns="91440" bIns="45720" numCol="1" spcCol="0" rtlCol="0" fromWordArt="0" anchor="ctr" anchorCtr="0" forceAA="0" compatLnSpc="1">
+                <a:prstTxWarp prst="textNoShape">
+                  <a:avLst/>
+                </a:prstTxWarp>
+                <a:noAutofit/>
+              </a:bodyPr>
+              <a:lstStyle/>
+              <a:p>
+                <a:pPr algn="ctr"/>
+                <a:r>
+                  <a:rPr lang="en-US" altLang="zh-CN" sz="3200" dirty="0"/>
+                  <a:t>4</a:t>
+                </a:r>
+                <a:endParaRPr lang="zh-CN" altLang="en-US" sz="3200" dirty="0"/>
+              </a:p>
+            </p:txBody>
+          </p:sp>
+          <p:sp>
+            <p:nvSpPr>
+              <p:cNvPr id="11" name="椭圆 7"/>
+              <p:cNvSpPr/>
+              <p:nvPr/>
+            </p:nvSpPr>
+            <p:spPr>
+              <a:xfrm>
+                <a:off x="2498710" y="2311467"/>
+                <a:ext cx="1748840" cy="1748840"/>
+              </a:xfrm>
+              <a:prstGeom prst="ellipse">
+                <a:avLst/>
+              </a:prstGeom>
+              <a:noFill/>
+              <a:ln>
+                <a:solidFill>
+                  <a:schemeClr val="accent2">
+                    <a:lumMod val="20000"/>
+                    <a:lumOff val="80000"/>
+                  </a:schemeClr>
+                </a:solidFill>
+              </a:ln>
+            </p:spPr>
+            <p:style>
+              <a:lnRef idx="2">
+                <a:schemeClr val="accent1">
+                  <a:shade val="50000"/>
+                </a:schemeClr>
+              </a:lnRef>
+              <a:fillRef idx="1">
+                <a:schemeClr val="accent1"/>
+              </a:fillRef>
+              <a:effectRef idx="0">
+                <a:schemeClr val="accent1"/>
+              </a:effectRef>
+              <a:fontRef idx="minor">
+                <a:schemeClr val="lt1"/>
+              </a:fontRef>
+            </p:style>
+            <p:txBody>
+              <a:bodyPr rot="0" spcFirstLastPara="0" vertOverflow="overflow" horzOverflow="overflow" vert="horz" wrap="square" lIns="91440" tIns="45720" rIns="91440" bIns="45720" numCol="1" spcCol="0" rtlCol="0" fromWordArt="0" anchor="ctr" anchorCtr="0" forceAA="0" compatLnSpc="1">
+                <a:prstTxWarp prst="textNoShape">
+                  <a:avLst/>
+                </a:prstTxWarp>
+                <a:noAutofit/>
+              </a:bodyPr>
+              <a:lstStyle/>
+              <a:p>
+                <a:pPr algn="ctr"/>
+                <a:endParaRPr lang="zh-CN" altLang="en-US" sz="6600" dirty="0"/>
+              </a:p>
+            </p:txBody>
+          </p:sp>
+          <p:sp>
+            <p:nvSpPr>
+              <p:cNvPr id="12" name="椭圆 8"/>
+              <p:cNvSpPr/>
+              <p:nvPr/>
+            </p:nvSpPr>
+            <p:spPr>
+              <a:xfrm>
+                <a:off x="3758995" y="3683265"/>
+                <a:ext cx="406068" cy="406068"/>
+              </a:xfrm>
+              <a:prstGeom prst="ellipse">
+                <a:avLst/>
+              </a:prstGeom>
+              <a:solidFill>
+                <a:schemeClr val="accent1">
+                  <a:alpha val="80000"/>
+                </a:schemeClr>
+              </a:solidFill>
+              <a:ln>
+                <a:noFill/>
+              </a:ln>
+            </p:spPr>
+            <p:style>
+              <a:lnRef idx="2">
+                <a:schemeClr val="accent1">
+                  <a:shade val="50000"/>
+                </a:schemeClr>
+              </a:lnRef>
+              <a:fillRef idx="1">
+                <a:schemeClr val="accent1"/>
+              </a:fillRef>
+              <a:effectRef idx="0">
+                <a:schemeClr val="accent1"/>
+              </a:effectRef>
+              <a:fontRef idx="minor">
+                <a:schemeClr val="lt1"/>
+              </a:fontRef>
+            </p:style>
+            <p:txBody>
+              <a:bodyPr rot="0" spcFirstLastPara="0" vertOverflow="overflow" horzOverflow="overflow" vert="horz" wrap="square" lIns="91440" tIns="45720" rIns="91440" bIns="45720" numCol="1" spcCol="0" rtlCol="0" fromWordArt="0" anchor="ctr" anchorCtr="0" forceAA="0" compatLnSpc="1">
+                <a:prstTxWarp prst="textNoShape">
+                  <a:avLst/>
+                </a:prstTxWarp>
+                <a:noAutofit/>
+              </a:bodyPr>
+              <a:lstStyle/>
+              <a:p>
+                <a:pPr algn="ctr"/>
+                <a:endParaRPr lang="zh-CN" altLang="en-US" sz="1400">
+                  <a:cs typeface="+mn-ea"/>
+                  <a:sym typeface="+mn-lt"/>
+                </a:endParaRPr>
+              </a:p>
+            </p:txBody>
+          </p:sp>
+          <p:sp>
+            <p:nvSpPr>
+              <p:cNvPr id="13" name="椭圆 9"/>
+              <p:cNvSpPr/>
+              <p:nvPr/>
+            </p:nvSpPr>
+            <p:spPr>
+              <a:xfrm>
+                <a:off x="2644791" y="2350267"/>
+                <a:ext cx="255468" cy="255468"/>
+              </a:xfrm>
+              <a:prstGeom prst="ellipse">
+                <a:avLst/>
+              </a:prstGeom>
+              <a:solidFill>
+                <a:schemeClr val="accent1">
+                  <a:alpha val="80000"/>
+                </a:schemeClr>
+              </a:solidFill>
+              <a:ln>
+                <a:noFill/>
+              </a:ln>
+            </p:spPr>
+            <p:style>
+              <a:lnRef idx="2">
+                <a:schemeClr val="accent1">
+                  <a:shade val="50000"/>
+                </a:schemeClr>
+              </a:lnRef>
+              <a:fillRef idx="1">
+                <a:schemeClr val="accent1"/>
+              </a:fillRef>
+              <a:effectRef idx="0">
+                <a:schemeClr val="accent1"/>
+              </a:effectRef>
+              <a:fontRef idx="minor">
+                <a:schemeClr val="lt1"/>
+              </a:fontRef>
+            </p:style>
+            <p:txBody>
+              <a:bodyPr rot="0" spcFirstLastPara="0" vertOverflow="overflow" horzOverflow="overflow" vert="horz" wrap="square" lIns="91440" tIns="45720" rIns="91440" bIns="45720" numCol="1" spcCol="0" rtlCol="0" fromWordArt="0" anchor="ctr" anchorCtr="0" forceAA="0" compatLnSpc="1">
+                <a:prstTxWarp prst="textNoShape">
+                  <a:avLst/>
+                </a:prstTxWarp>
+                <a:noAutofit/>
+              </a:bodyPr>
+              <a:lstStyle/>
+              <a:p>
+                <a:pPr algn="ctr"/>
+                <a:endParaRPr lang="zh-CN" altLang="en-US" sz="1400">
+                  <a:cs typeface="+mn-ea"/>
+                  <a:sym typeface="+mn-lt"/>
+                </a:endParaRPr>
+              </a:p>
+            </p:txBody>
+          </p:sp>
+        </p:grpSp>
+        <p:sp>
+          <p:nvSpPr>
+            <p:cNvPr id="8" name="文本框 8"/>
+            <p:cNvSpPr txBox="1"/>
+            <p:nvPr/>
+          </p:nvSpPr>
+          <p:spPr>
+            <a:xfrm>
+              <a:off x="4741652" y="1950945"/>
+              <a:ext cx="3331728" cy="584775"/>
+            </a:xfrm>
+            <a:prstGeom prst="rect">
+              <a:avLst/>
+            </a:prstGeom>
+            <a:noFill/>
+          </p:spPr>
+          <p:txBody>
+            <a:bodyPr wrap="square" rtlCol="0">
+              <a:spAutoFit/>
+            </a:bodyPr>
+            <a:lstStyle>
+              <a:defPPr>
+                <a:defRPr lang="en-US"/>
+              </a:defPPr>
+              <a:lvl1pPr marL="0" algn="l" defTabSz="457200" rtl="0" eaLnBrk="1" latinLnBrk="0" hangingPunct="1">
+                <a:defRPr sz="1800" kern="1200">
+                  <a:solidFill>
+                    <a:schemeClr val="tx1"/>
+                  </a:solidFill>
+                  <a:latin typeface="+mn-lt"/>
+                  <a:ea typeface="+mn-ea"/>
+                  <a:cs typeface="+mn-cs"/>
+                </a:defRPr>
+              </a:lvl1pPr>
+              <a:lvl2pPr marL="457200" algn="l" defTabSz="457200" rtl="0" eaLnBrk="1" latinLnBrk="0" hangingPunct="1">
+                <a:defRPr sz="1800" kern="1200">
+                  <a:solidFill>
+                    <a:schemeClr val="tx1"/>
+                  </a:solidFill>
+                  <a:latin typeface="+mn-lt"/>
+                  <a:ea typeface="+mn-ea"/>
+                  <a:cs typeface="+mn-cs"/>
+                </a:defRPr>
+              </a:lvl2pPr>
+              <a:lvl3pPr marL="914400" algn="l" defTabSz="457200" rtl="0" eaLnBrk="1" latinLnBrk="0" hangingPunct="1">
+                <a:defRPr sz="1800" kern="1200">
+                  <a:solidFill>
+                    <a:schemeClr val="tx1"/>
+                  </a:solidFill>
+                  <a:latin typeface="+mn-lt"/>
+                  <a:ea typeface="+mn-ea"/>
+                  <a:cs typeface="+mn-cs"/>
+                </a:defRPr>
+              </a:lvl3pPr>
+              <a:lvl4pPr marL="1371600" algn="l" defTabSz="457200" rtl="0" eaLnBrk="1" latinLnBrk="0" hangingPunct="1">
+                <a:defRPr sz="1800" kern="1200">
+                  <a:solidFill>
+                    <a:schemeClr val="tx1"/>
+                  </a:solidFill>
+                  <a:latin typeface="+mn-lt"/>
+                  <a:ea typeface="+mn-ea"/>
+                  <a:cs typeface="+mn-cs"/>
+                </a:defRPr>
+              </a:lvl4pPr>
+              <a:lvl5pPr marL="1828800" algn="l" defTabSz="457200" rtl="0" eaLnBrk="1" latinLnBrk="0" hangingPunct="1">
+                <a:defRPr sz="1800" kern="1200">
+                  <a:solidFill>
+                    <a:schemeClr val="tx1"/>
+                  </a:solidFill>
+                  <a:latin typeface="+mn-lt"/>
+                  <a:ea typeface="+mn-ea"/>
+                  <a:cs typeface="+mn-cs"/>
+                </a:defRPr>
+              </a:lvl5pPr>
+              <a:lvl6pPr marL="2286000" algn="l" defTabSz="457200" rtl="0" eaLnBrk="1" latinLnBrk="0" hangingPunct="1">
+                <a:defRPr sz="1800" kern="1200">
+                  <a:solidFill>
+                    <a:schemeClr val="tx1"/>
+                  </a:solidFill>
+                  <a:latin typeface="+mn-lt"/>
+                  <a:ea typeface="+mn-ea"/>
+                  <a:cs typeface="+mn-cs"/>
+                </a:defRPr>
+              </a:lvl6pPr>
+              <a:lvl7pPr marL="2743200" algn="l" defTabSz="457200" rtl="0" eaLnBrk="1" latinLnBrk="0" hangingPunct="1">
+                <a:defRPr sz="1800" kern="1200">
+                  <a:solidFill>
+                    <a:schemeClr val="tx1"/>
+                  </a:solidFill>
+                  <a:latin typeface="+mn-lt"/>
+                  <a:ea typeface="+mn-ea"/>
+                  <a:cs typeface="+mn-cs"/>
+                </a:defRPr>
+              </a:lvl7pPr>
+              <a:lvl8pPr marL="3200400" algn="l" defTabSz="457200" rtl="0" eaLnBrk="1" latinLnBrk="0" hangingPunct="1">
+                <a:defRPr sz="1800" kern="1200">
+                  <a:solidFill>
+                    <a:schemeClr val="tx1"/>
+                  </a:solidFill>
+                  <a:latin typeface="+mn-lt"/>
+                  <a:ea typeface="+mn-ea"/>
+                  <a:cs typeface="+mn-cs"/>
+                </a:defRPr>
+              </a:lvl8pPr>
+              <a:lvl9pPr marL="3657600" algn="l" defTabSz="457200" rtl="0" eaLnBrk="1" latinLnBrk="0" hangingPunct="1">
+                <a:defRPr sz="1800" kern="1200">
+                  <a:solidFill>
+                    <a:schemeClr val="tx1"/>
+                  </a:solidFill>
+                  <a:latin typeface="+mn-lt"/>
+                  <a:ea typeface="+mn-ea"/>
+                  <a:cs typeface="+mn-cs"/>
+                </a:defRPr>
+              </a:lvl9pPr>
+            </a:lstStyle>
+            <a:p>
+              <a:pPr marL="0" marR="0" lvl="0" indent="0" algn="ctr" defTabSz="457200" rtl="0" eaLnBrk="1" fontAlgn="auto" latinLnBrk="0" hangingPunct="1">
+                <a:lnSpc>
+                  <a:spcPct val="100000"/>
+                </a:lnSpc>
+                <a:spcBef>
+                  <a:spcPts val="0"/>
+                </a:spcBef>
+                <a:spcAft>
+                  <a:spcPts val="0"/>
+                </a:spcAft>
+                <a:buClrTx/>
+                <a:buSzTx/>
+                <a:buFontTx/>
+                <a:buNone/>
+                <a:tabLst/>
+                <a:defRPr/>
+              </a:pPr>
+              <a:r>
+                <a:rPr kumimoji="1" lang="ko-KR" altLang="en-US" sz="3200" b="1" dirty="0">
+                  <a:solidFill>
+                    <a:schemeClr val="tx1">
+                      <a:lumMod val="75000"/>
+                      <a:lumOff val="25000"/>
+                    </a:schemeClr>
+                  </a:solidFill>
+                  <a:latin typeface="맑은 고딕" panose="020B0503020000020004" pitchFamily="50" charset="-127"/>
+                  <a:ea typeface="맑은 고딕" panose="020B0503020000020004" pitchFamily="50" charset="-127"/>
+                  <a:cs typeface="+mn-ea"/>
+                  <a:sym typeface="+mn-lt"/>
+                </a:rPr>
+                <a:t>주제 제안 </a:t>
+              </a:r>
+              <a:r>
+                <a:rPr kumimoji="1" lang="en-US" altLang="ko-KR" sz="3200" b="1" dirty="0">
+                  <a:solidFill>
+                    <a:schemeClr val="tx1">
+                      <a:lumMod val="75000"/>
+                      <a:lumOff val="25000"/>
+                    </a:schemeClr>
+                  </a:solidFill>
+                  <a:latin typeface="맑은 고딕" panose="020B0503020000020004" pitchFamily="50" charset="-127"/>
+                  <a:ea typeface="맑은 고딕" panose="020B0503020000020004" pitchFamily="50" charset="-127"/>
+                  <a:cs typeface="+mn-ea"/>
+                  <a:sym typeface="+mn-lt"/>
+                </a:rPr>
+                <a:t>(6/6)</a:t>
+              </a:r>
+              <a:endParaRPr kumimoji="1" lang="zh-CN" altLang="en-US" sz="3200" b="1" i="0" u="none" strike="noStrike" kern="1200" cap="none" spc="0" normalizeH="0" baseline="0" noProof="0" dirty="0">
+                <a:ln>
+                  <a:noFill/>
+                </a:ln>
+                <a:solidFill>
+                  <a:schemeClr val="tx1">
+                    <a:lumMod val="75000"/>
+                    <a:lumOff val="25000"/>
+                  </a:schemeClr>
+                </a:solidFill>
+                <a:effectLst/>
+                <a:uLnTx/>
+                <a:uFillTx/>
+                <a:latin typeface="맑은 고딕" panose="020B0503020000020004" pitchFamily="50" charset="-127"/>
+                <a:ea typeface="맑은 고딕" panose="020B0503020000020004" pitchFamily="50" charset="-127"/>
+                <a:cs typeface="+mn-ea"/>
+                <a:sym typeface="+mn-lt"/>
+              </a:endParaRPr>
+            </a:p>
+          </p:txBody>
+        </p:sp>
+        <p:cxnSp>
+          <p:nvCxnSpPr>
+            <p:cNvPr id="9" name="直接连接符 5"/>
+            <p:cNvCxnSpPr/>
+            <p:nvPr/>
+          </p:nvCxnSpPr>
+          <p:spPr>
+            <a:xfrm>
+              <a:off x="4927755" y="1892087"/>
+              <a:ext cx="0" cy="579862"/>
+            </a:xfrm>
+            <a:prstGeom prst="line">
+              <a:avLst/>
+            </a:prstGeom>
+            <a:ln w="12700">
+              <a:solidFill>
+                <a:schemeClr val="bg1">
+                  <a:lumMod val="75000"/>
+                </a:schemeClr>
+              </a:solidFill>
+            </a:ln>
+          </p:spPr>
+          <p:style>
+            <a:lnRef idx="1">
+              <a:schemeClr val="accent1"/>
+            </a:lnRef>
+            <a:fillRef idx="0">
+              <a:schemeClr val="accent1"/>
+            </a:fillRef>
+            <a:effectRef idx="0">
+              <a:schemeClr val="accent1"/>
+            </a:effectRef>
+            <a:fontRef idx="minor">
+              <a:schemeClr val="tx1"/>
+            </a:fontRef>
+          </p:style>
+        </p:cxnSp>
+      </p:grpSp>
+      <p:cxnSp>
+        <p:nvCxnSpPr>
+          <p:cNvPr id="14" name="직선 연결선 13"/>
+          <p:cNvCxnSpPr/>
+          <p:nvPr/>
+        </p:nvCxnSpPr>
+        <p:spPr>
+          <a:xfrm>
+            <a:off x="400140" y="1235678"/>
+            <a:ext cx="4059893" cy="26351"/>
+          </a:xfrm>
+          <a:prstGeom prst="line">
+            <a:avLst/>
+          </a:prstGeom>
+        </p:spPr>
+        <p:style>
+          <a:lnRef idx="1">
+            <a:schemeClr val="accent1"/>
+          </a:lnRef>
+          <a:fillRef idx="0">
+            <a:schemeClr val="accent1"/>
+          </a:fillRef>
+          <a:effectRef idx="0">
+            <a:schemeClr val="accent1"/>
+          </a:effectRef>
+          <a:fontRef idx="minor">
+            <a:schemeClr val="tx1"/>
+          </a:fontRef>
+        </p:style>
+      </p:cxnSp>
+    </p:spTree>
+    <p:extLst>
+      <p:ext uri="{BB962C8B-B14F-4D97-AF65-F5344CB8AC3E}">
+        <p14:creationId xmlns:p14="http://schemas.microsoft.com/office/powerpoint/2010/main" val="3984871178"/>
+      </p:ext>
+    </p:extLst>
+  </p:cSld>
+  <p:clrMapOvr>
+    <a:masterClrMapping/>
+  </p:clrMapOvr>
 </p:sld>
 </file>
 
@@ -12749,7 +12349,7 @@
                 <a:defRPr/>
               </a:pPr>
               <a:r>
-                <a:rPr kumimoji="1" lang="ko-KR" altLang="en-US" sz="3200" b="1" noProof="0" dirty="0" smtClean="0">
+                <a:rPr kumimoji="1" lang="ko-KR" altLang="en-US" sz="3200" b="1" noProof="0" dirty="0">
                   <a:solidFill>
                     <a:schemeClr val="tx1">
                       <a:lumMod val="75000"/>
@@ -12886,13 +12486,6 @@
   <p:clrMapOvr>
     <a:masterClrMapping/>
   </p:clrMapOvr>
-  <p:timing>
-    <p:tnLst>
-      <p:par>
-        <p:cTn id="1" dur="indefinite" restart="never" nodeType="tmRoot"/>
-      </p:par>
-    </p:tnLst>
-  </p:timing>
 </p:sld>
 </file>
 
@@ -14387,39 +13980,14 @@
               <a:rPr lang="en-US" altLang="ko-KR" dirty="0">
                 <a:latin typeface="+mj-lt"/>
               </a:rPr>
-              <a:t>[</a:t>
-            </a:r>
-            <a:r>
-              <a:rPr lang="en-US" altLang="ko-KR" dirty="0" smtClean="0">
-                <a:latin typeface="+mj-lt"/>
-              </a:rPr>
-              <a:t>1</a:t>
-            </a:r>
-            <a:r>
-              <a:rPr lang="en-US" altLang="ko-KR" dirty="0">
-                <a:latin typeface="+mj-lt"/>
-              </a:rPr>
-              <a:t>]</a:t>
-            </a:r>
-            <a:r>
-              <a:rPr lang="en-US" altLang="ko-KR" dirty="0" smtClean="0">
-                <a:latin typeface="+mj-lt"/>
-              </a:rPr>
-              <a:t>-</a:t>
-            </a:r>
-            <a:r>
-              <a:rPr lang="en-US" altLang="ko-KR" dirty="0" smtClean="0">
-                <a:latin typeface="+mj-lt"/>
-                <a:hlinkClick r:id="rId2"/>
-              </a:rPr>
-              <a:t>http</a:t>
+              <a:t>[1]-</a:t>
             </a:r>
             <a:r>
               <a:rPr lang="en-US" altLang="ko-KR" dirty="0">
                 <a:latin typeface="+mj-lt"/>
                 <a:hlinkClick r:id="rId2"/>
               </a:rPr>
-              <a:t>://biz.chosun.com/site/data/</a:t>
+              <a:t>http://biz.chosun.com/site/data/</a:t>
             </a:r>
             <a:r>
               <a:rPr lang="en-US" altLang="ko-KR" dirty="0" err="1">
@@ -14444,116 +14012,21 @@
               <a:rPr lang="en-US" altLang="ko-KR" dirty="0">
                 <a:latin typeface="+mj-lt"/>
               </a:rPr>
-              <a:t>[</a:t>
-            </a:r>
-            <a:r>
-              <a:rPr lang="en-US" altLang="ko-KR" dirty="0" smtClean="0">
-                <a:latin typeface="+mj-lt"/>
-              </a:rPr>
-              <a:t>2]-http</a:t>
-            </a:r>
+              <a:t>[2]-http://www.zdnet.co.kr/view/?no=20181002145050</a:t>
+            </a:r>
+          </a:p>
+          <a:p>
             <a:r>
               <a:rPr lang="en-US" altLang="ko-KR" dirty="0">
                 <a:latin typeface="+mj-lt"/>
               </a:rPr>
-              <a:t>://www.zdnet.co.kr/view/?</a:t>
-            </a:r>
-            <a:r>
-              <a:rPr lang="en-US" altLang="ko-KR" dirty="0" smtClean="0">
-                <a:latin typeface="+mj-lt"/>
-              </a:rPr>
-              <a:t>no=20181002145050</a:t>
-            </a:r>
-          </a:p>
-          <a:p>
+              <a:t>[3]-</a:t>
+            </a:r>
             <a:r>
               <a:rPr lang="en-US" altLang="ko-KR" dirty="0">
-                <a:latin typeface="+mj-lt"/>
-              </a:rPr>
-              <a:t>[</a:t>
-            </a:r>
-            <a:r>
-              <a:rPr lang="en-US" altLang="ko-KR" dirty="0" smtClean="0">
-                <a:latin typeface="+mj-lt"/>
-              </a:rPr>
-              <a:t>3</a:t>
-            </a:r>
-            <a:r>
-              <a:rPr lang="en-US" altLang="ko-KR" dirty="0">
-                <a:latin typeface="+mj-lt"/>
-              </a:rPr>
-              <a:t>]</a:t>
-            </a:r>
-            <a:r>
-              <a:rPr lang="en-US" altLang="ko-KR" dirty="0" smtClean="0">
-                <a:latin typeface="+mj-lt"/>
-              </a:rPr>
-              <a:t>-</a:t>
-            </a:r>
-            <a:r>
-              <a:rPr lang="en-US" altLang="ko-KR" dirty="0" smtClean="0">
                 <a:hlinkClick r:id="rId3"/>
               </a:rPr>
               <a:t>https://www.boannews.com/media/view.asp?idx=73846</a:t>
-            </a:r>
-            <a:endParaRPr lang="en-US" altLang="ko-KR" dirty="0" smtClean="0">
-              <a:latin typeface="+mj-lt"/>
-            </a:endParaRPr>
-          </a:p>
-          <a:p>
-            <a:r>
-              <a:rPr lang="en-US" altLang="ko-KR" dirty="0">
-                <a:latin typeface="+mj-lt"/>
-              </a:rPr>
-              <a:t>[</a:t>
-            </a:r>
-            <a:r>
-              <a:rPr lang="en-US" altLang="ko-KR" dirty="0" smtClean="0">
-                <a:latin typeface="+mj-lt"/>
-              </a:rPr>
-              <a:t>4]-</a:t>
-            </a:r>
-            <a:r>
-              <a:rPr lang="en-US" altLang="ko-KR" dirty="0" smtClean="0">
-                <a:latin typeface="+mj-lt"/>
-                <a:hlinkClick r:id="rId4"/>
-              </a:rPr>
-              <a:t>https</a:t>
-            </a:r>
-            <a:r>
-              <a:rPr lang="en-US" altLang="ko-KR" dirty="0">
-                <a:latin typeface="+mj-lt"/>
-                <a:hlinkClick r:id="rId4"/>
-              </a:rPr>
-              <a:t>://m.blog.naver.com/</a:t>
-            </a:r>
-            <a:r>
-              <a:rPr lang="en-US" altLang="ko-KR" dirty="0" err="1">
-                <a:latin typeface="+mj-lt"/>
-                <a:hlinkClick r:id="rId4"/>
-              </a:rPr>
-              <a:t>PostView.nhn?blogId</a:t>
-            </a:r>
-            <a:r>
-              <a:rPr lang="en-US" altLang="ko-KR" dirty="0">
-                <a:latin typeface="+mj-lt"/>
-                <a:hlinkClick r:id="rId4"/>
-              </a:rPr>
-              <a:t>=</a:t>
-            </a:r>
-            <a:r>
-              <a:rPr lang="en-US" altLang="ko-KR" dirty="0" err="1">
-                <a:latin typeface="+mj-lt"/>
-                <a:hlinkClick r:id="rId4"/>
-              </a:rPr>
-              <a:t>zenmode&amp;logNo</a:t>
-            </a:r>
-            <a:r>
-              <a:rPr lang="en-US" altLang="ko-KR" dirty="0">
-                <a:latin typeface="+mj-lt"/>
-                <a:hlinkClick r:id="rId4"/>
-              </a:rPr>
-              <a:t>=150175674967&amp;proxyReferer=http%3A%2F%2Fwww.google.com%2Furl%3Fsa%3Dt%26rct%3Dj%26q%3D%26esrc%3Ds%26source%3Dweb%26cd%3D7%26ved%3D2ahUKEwjuhr2xmpXhAhWNvpQKHVKHD6MQFjAGegQIBRAB%26url%3Dhttp%253A%252F%252Fm.blog.naver.com%252Fzenmode%252F150175674967%26usg%3DAOvVaw28bK8NVDYDD3G0F3OT5HFg</a:t>
             </a:r>
             <a:endParaRPr lang="en-US" altLang="ko-KR" dirty="0">
               <a:latin typeface="+mj-lt"/>
@@ -14564,37 +14037,59 @@
               <a:rPr lang="en-US" altLang="ko-KR" dirty="0">
                 <a:latin typeface="+mj-lt"/>
               </a:rPr>
-              <a:t>[</a:t>
-            </a:r>
-            <a:r>
-              <a:rPr lang="en-US" altLang="ko-KR" dirty="0" smtClean="0">
-                <a:latin typeface="+mj-lt"/>
-              </a:rPr>
-              <a:t>5</a:t>
+              <a:t>[4]-</a:t>
             </a:r>
             <a:r>
               <a:rPr lang="en-US" altLang="ko-KR" dirty="0">
                 <a:latin typeface="+mj-lt"/>
-              </a:rPr>
-              <a:t>]</a:t>
-            </a:r>
-            <a:r>
-              <a:rPr lang="en-US" altLang="ko-KR" dirty="0" smtClean="0">
+                <a:hlinkClick r:id="rId4"/>
+              </a:rPr>
+              <a:t>https://m.blog.naver.com/</a:t>
+            </a:r>
+            <a:r>
+              <a:rPr lang="en-US" altLang="ko-KR" dirty="0" err="1">
                 <a:latin typeface="+mj-lt"/>
-              </a:rPr>
-              <a:t>-</a:t>
-            </a:r>
-            <a:r>
-              <a:rPr lang="en-US" altLang="ko-KR" dirty="0" smtClean="0">
-                <a:hlinkClick r:id="rId5"/>
-              </a:rPr>
-              <a:t>https</a:t>
+                <a:hlinkClick r:id="rId4"/>
+              </a:rPr>
+              <a:t>PostView.nhn?blogId</a:t>
+            </a:r>
+            <a:r>
+              <a:rPr lang="en-US" altLang="ko-KR" dirty="0">
+                <a:latin typeface="+mj-lt"/>
+                <a:hlinkClick r:id="rId4"/>
+              </a:rPr>
+              <a:t>=</a:t>
+            </a:r>
+            <a:r>
+              <a:rPr lang="en-US" altLang="ko-KR" dirty="0" err="1">
+                <a:latin typeface="+mj-lt"/>
+                <a:hlinkClick r:id="rId4"/>
+              </a:rPr>
+              <a:t>zenmode&amp;logNo</a:t>
+            </a:r>
+            <a:r>
+              <a:rPr lang="en-US" altLang="ko-KR" dirty="0">
+                <a:latin typeface="+mj-lt"/>
+                <a:hlinkClick r:id="rId4"/>
+              </a:rPr>
+              <a:t>=150175674967&amp;proxyReferer=http%3A%2F%2Fwww.google.com%2Furl%3Fsa%3Dt%26rct%3Dj%26q%3D%26esrc%3Ds%26source%3Dweb%26cd%3D7%26ved%3D2ahUKEwjuhr2xmpXhAhWNvpQKHVKHD6MQFjAGegQIBRAB%26url%3Dhttp%253A%252F%252Fm.blog.naver.com%252Fzenmode%252F150175674967%26usg%3DAOvVaw28bK8NVDYDD3G0F3OT5HFg</a:t>
+            </a:r>
+            <a:endParaRPr lang="en-US" altLang="ko-KR" dirty="0">
+              <a:latin typeface="+mj-lt"/>
+            </a:endParaRPr>
+          </a:p>
+          <a:p>
+            <a:r>
+              <a:rPr lang="en-US" altLang="ko-KR" dirty="0">
+                <a:latin typeface="+mj-lt"/>
+              </a:rPr>
+              <a:t>[5]-</a:t>
             </a:r>
             <a:r>
               <a:rPr lang="en-US" altLang="ko-KR" dirty="0">
                 <a:hlinkClick r:id="rId5"/>
               </a:rPr>
-              <a:t>://m.post.naver.com/viewer/</a:t>
+              <a:t>https://m.post.naver.com/viewer/</a:t>
             </a:r>
             <a:r>
               <a:rPr lang="en-US" altLang="ko-KR" dirty="0" err="1">
@@ -14615,31 +14110,7 @@
               <a:rPr lang="en-US" altLang="ko-KR" dirty="0">
                 <a:latin typeface="+mj-lt"/>
               </a:rPr>
-              <a:t>[</a:t>
-            </a:r>
-            <a:r>
-              <a:rPr lang="en-US" altLang="ko-KR" dirty="0" smtClean="0">
-                <a:latin typeface="+mj-lt"/>
-              </a:rPr>
-              <a:t>6</a:t>
-            </a:r>
-            <a:r>
-              <a:rPr lang="en-US" altLang="ko-KR" dirty="0">
-                <a:latin typeface="+mj-lt"/>
-              </a:rPr>
-              <a:t>]</a:t>
-            </a:r>
-            <a:r>
-              <a:rPr lang="en-US" altLang="ko-KR" dirty="0" smtClean="0">
-                <a:latin typeface="+mj-lt"/>
-              </a:rPr>
-              <a:t>-https</a:t>
-            </a:r>
-            <a:r>
-              <a:rPr lang="en-US" altLang="ko-KR" dirty="0">
-                <a:latin typeface="+mj-lt"/>
-              </a:rPr>
-              <a:t>://www.earticle.net/Article/A263848 – </a:t>
+              <a:t>[6]-https://www.earticle.net/Article/A263848 – </a:t>
             </a:r>
             <a:r>
               <a:rPr lang="ko-KR" altLang="en-US" dirty="0">
@@ -14675,13 +14146,6 @@
   <p:clrMapOvr>
     <a:masterClrMapping/>
   </p:clrMapOvr>
-  <p:timing>
-    <p:tnLst>
-      <p:par>
-        <p:cTn id="1" dur="indefinite" restart="never" nodeType="tmRoot"/>
-      </p:par>
-    </p:tnLst>
-  </p:timing>
 </p:sld>
 </file>
 
@@ -16041,7 +15505,7 @@
                 <a:defRPr/>
               </a:pPr>
               <a:r>
-                <a:rPr kumimoji="1" lang="ko-KR" altLang="en-US" sz="3200" b="1" dirty="0" smtClean="0">
+                <a:rPr kumimoji="1" lang="ko-KR" altLang="en-US" sz="3200" b="1" dirty="0">
                   <a:solidFill>
                     <a:schemeClr val="tx1">
                       <a:lumMod val="75000"/>
@@ -16176,71 +15640,35 @@
               <a:rPr lang="en-US" altLang="ko-KR" dirty="0">
                 <a:latin typeface="+mj-lt"/>
               </a:rPr>
-              <a:t>[</a:t>
-            </a:r>
-            <a:r>
-              <a:rPr lang="en-US" altLang="ko-KR" dirty="0" smtClean="0">
-                <a:latin typeface="+mj-lt"/>
-              </a:rPr>
-              <a:t>7</a:t>
+              <a:t>[7]-PENG YANG, GUANGZHEN ZHAO , AND PENG ZENG, “Phishing Website Detection Based on Multidimensional Features Driven by Deep Learning”,</a:t>
+            </a:r>
+            <a:r>
+              <a:rPr lang="en-US" altLang="ko-KR" b="1" dirty="0"/>
+              <a:t> Published in: </a:t>
+            </a:r>
+            <a:r>
+              <a:rPr lang="en-US" altLang="ko-KR" dirty="0">
+                <a:hlinkClick r:id="rId2"/>
+              </a:rPr>
+              <a:t>IEEE Access</a:t>
+            </a:r>
+            <a:r>
+              <a:rPr lang="en-US" altLang="ko-KR" dirty="0"/>
+              <a:t> ( Volume: 7 ), 11 January 2019</a:t>
             </a:r>
             <a:r>
               <a:rPr lang="en-US" altLang="ko-KR" dirty="0">
                 <a:latin typeface="+mj-lt"/>
               </a:rPr>
-              <a:t>]</a:t>
-            </a:r>
-            <a:r>
-              <a:rPr lang="en-US" altLang="ko-KR" dirty="0" smtClean="0">
-                <a:latin typeface="+mj-lt"/>
-              </a:rPr>
-              <a:t>-PENG </a:t>
-            </a:r>
+              <a:t> </a:t>
+            </a:r>
+          </a:p>
+          <a:p>
             <a:r>
               <a:rPr lang="en-US" altLang="ko-KR" dirty="0">
                 <a:latin typeface="+mj-lt"/>
               </a:rPr>
-              <a:t>YANG, GUANGZHEN ZHAO , AND PENG ZENG, “Phishing Website Detection Based on Multidimensional Features Driven by Deep Learning”,</a:t>
-            </a:r>
-            <a:r>
-              <a:rPr lang="en-US" altLang="ko-KR" b="1" dirty="0"/>
-              <a:t> Published in: </a:t>
-            </a:r>
-            <a:r>
-              <a:rPr lang="en-US" altLang="ko-KR" dirty="0">
-                <a:hlinkClick r:id="rId2"/>
-              </a:rPr>
-              <a:t>IEEE Access</a:t>
-            </a:r>
-            <a:r>
-              <a:rPr lang="en-US" altLang="ko-KR" dirty="0"/>
-              <a:t> ( Volume: 7 ), 11 January 2019</a:t>
-            </a:r>
-            <a:r>
-              <a:rPr lang="en-US" altLang="ko-KR" dirty="0">
-                <a:latin typeface="+mj-lt"/>
-              </a:rPr>
-              <a:t> </a:t>
-            </a:r>
-          </a:p>
-          <a:p>
-            <a:r>
-              <a:rPr lang="en-US" altLang="ko-KR" dirty="0">
-                <a:latin typeface="+mj-lt"/>
-              </a:rPr>
-              <a:t>[</a:t>
-            </a:r>
-            <a:r>
-              <a:rPr lang="en-US" altLang="ko-KR" dirty="0" smtClean="0">
-                <a:latin typeface="+mj-lt"/>
-              </a:rPr>
-              <a:t>8]-F.C</a:t>
-            </a:r>
-            <a:r>
-              <a:rPr lang="en-US" altLang="ko-KR" dirty="0">
-                <a:latin typeface="+mj-lt"/>
-              </a:rPr>
-              <a:t>. Dalgic1, A.S. </a:t>
+              <a:t>[8]-F.C. Dalgic1, A.S. </a:t>
             </a:r>
             <a:r>
               <a:rPr lang="en-US" altLang="ko-KR" dirty="0" err="1">
@@ -16297,59 +15725,22 @@
               <a:rPr lang="en-US" altLang="ko-KR" dirty="0">
                 <a:latin typeface="+mj-lt"/>
               </a:rPr>
-              <a:t>[</a:t>
-            </a:r>
-            <a:r>
-              <a:rPr lang="en-US" altLang="ko-KR" dirty="0" smtClean="0">
-                <a:latin typeface="+mj-lt"/>
-              </a:rPr>
-              <a:t>9</a:t>
-            </a:r>
+              <a:t>[9]-http://solarisailab.com/archives/2351</a:t>
+            </a:r>
+          </a:p>
+          <a:p>
             <a:r>
               <a:rPr lang="en-US" altLang="ko-KR" dirty="0">
                 <a:latin typeface="+mj-lt"/>
               </a:rPr>
-              <a:t>]</a:t>
-            </a:r>
-            <a:r>
-              <a:rPr lang="en-US" altLang="ko-KR" dirty="0" smtClean="0">
-                <a:latin typeface="+mj-lt"/>
-              </a:rPr>
-              <a:t>-http</a:t>
-            </a:r>
-            <a:r>
-              <a:rPr lang="en-US" altLang="ko-KR" dirty="0">
-                <a:latin typeface="+mj-lt"/>
-              </a:rPr>
-              <a:t>://solarisailab.com/archives/2351</a:t>
-            </a:r>
-          </a:p>
-          <a:p>
-            <a:r>
-              <a:rPr lang="en-US" altLang="ko-KR" dirty="0">
-                <a:latin typeface="+mj-lt"/>
-              </a:rPr>
-              <a:t>[</a:t>
-            </a:r>
-            <a:r>
-              <a:rPr lang="en-US" altLang="ko-KR" dirty="0" smtClean="0">
-                <a:latin typeface="+mj-lt"/>
-              </a:rPr>
-              <a:t>10]-</a:t>
-            </a:r>
-            <a:r>
-              <a:rPr lang="en-US" altLang="ko-KR" dirty="0" smtClean="0">
-                <a:latin typeface="+mj-lt"/>
-                <a:hlinkClick r:id="rId4"/>
-              </a:rPr>
-              <a:t>https</a:t>
+              <a:t>[10]-</a:t>
             </a:r>
             <a:r>
               <a:rPr lang="en-US" altLang="ko-KR" dirty="0">
                 <a:latin typeface="+mj-lt"/>
                 <a:hlinkClick r:id="rId4"/>
               </a:rPr>
-              <a:t>://yamerong.tistory.com/40</a:t>
+              <a:t>https://yamerong.tistory.com/40</a:t>
             </a:r>
             <a:endParaRPr lang="en-US" altLang="ko-KR" dirty="0">
               <a:latin typeface="+mj-lt"/>
@@ -16360,51 +15751,15 @@
               <a:rPr lang="en-US" altLang="ko-KR" dirty="0">
                 <a:latin typeface="+mj-lt"/>
               </a:rPr>
-              <a:t>[</a:t>
-            </a:r>
-            <a:r>
-              <a:rPr lang="en-US" altLang="ko-KR" dirty="0" smtClean="0">
-                <a:latin typeface="+mj-lt"/>
-              </a:rPr>
-              <a:t>11</a:t>
-            </a:r>
+              <a:t>[11]-https://jsideas.net/Inception_v3_transfer_learning/</a:t>
+            </a:r>
+          </a:p>
+          <a:p>
             <a:r>
               <a:rPr lang="en-US" altLang="ko-KR" dirty="0">
                 <a:latin typeface="+mj-lt"/>
               </a:rPr>
-              <a:t>]</a:t>
-            </a:r>
-            <a:r>
-              <a:rPr lang="en-US" altLang="ko-KR" dirty="0" smtClean="0">
-                <a:latin typeface="+mj-lt"/>
-              </a:rPr>
-              <a:t>-https</a:t>
-            </a:r>
-            <a:r>
-              <a:rPr lang="en-US" altLang="ko-KR" dirty="0">
-                <a:latin typeface="+mj-lt"/>
-              </a:rPr>
-              <a:t>://jsideas.net/Inception_v3_transfer_learning/</a:t>
-            </a:r>
-          </a:p>
-          <a:p>
-            <a:r>
-              <a:rPr lang="en-US" altLang="ko-KR" dirty="0">
-                <a:latin typeface="+mj-lt"/>
-              </a:rPr>
-              <a:t>[</a:t>
-            </a:r>
-            <a:r>
-              <a:rPr lang="en-US" altLang="ko-KR" dirty="0" smtClean="0">
-                <a:latin typeface="+mj-lt"/>
-              </a:rPr>
-              <a:t>12]-https</a:t>
-            </a:r>
-            <a:r>
-              <a:rPr lang="en-US" altLang="ko-KR" dirty="0">
-                <a:latin typeface="+mj-lt"/>
-              </a:rPr>
-              <a:t>://www.pyimagesearch.com/2017/11/27/image-hashing-opencv-python/</a:t>
+              <a:t>[12]-https://www.pyimagesearch.com/2017/11/27/image-hashing-opencv-python/</a:t>
             </a:r>
           </a:p>
           <a:p>
@@ -16463,13 +15818,6 @@
   <p:clrMapOvr>
     <a:masterClrMapping/>
   </p:clrMapOvr>
-  <p:timing>
-    <p:tnLst>
-      <p:par>
-        <p:cTn id="1" dur="indefinite" restart="never" nodeType="tmRoot"/>
-      </p:par>
-    </p:tnLst>
-  </p:timing>
 </p:sld>
 </file>
 
@@ -18054,7 +17402,7 @@
               <a:p>
                 <a:pPr algn="ctr"/>
                 <a:r>
-                  <a:rPr lang="en-US" altLang="zh-CN" sz="3200" dirty="0" smtClean="0"/>
+                  <a:rPr lang="en-US" altLang="zh-CN" sz="3200" dirty="0"/>
                   <a:t>4</a:t>
                 </a:r>
                 <a:endParaRPr lang="zh-CN" altLang="en-US" sz="3200" dirty="0"/>
@@ -19125,7 +18473,7 @@
               <a:defRPr/>
             </a:pPr>
             <a:r>
-              <a:rPr kumimoji="1" lang="ko-KR" altLang="en-US" sz="2400" dirty="0" smtClean="0">
+              <a:rPr kumimoji="1" lang="ko-KR" altLang="en-US" sz="2400" dirty="0">
                 <a:solidFill>
                   <a:schemeClr val="tx1">
                     <a:lumMod val="75000"/>
@@ -19294,7 +18642,7 @@
               <a:defRPr/>
             </a:pPr>
             <a:r>
-              <a:rPr kumimoji="1" lang="ko-KR" altLang="en-US" sz="2400" dirty="0" smtClean="0">
+              <a:rPr kumimoji="1" lang="ko-KR" altLang="en-US" sz="2400" dirty="0">
                 <a:solidFill>
                   <a:schemeClr val="tx1">
                     <a:lumMod val="75000"/>
@@ -19463,7 +18811,7 @@
               <a:defRPr/>
             </a:pPr>
             <a:r>
-              <a:rPr kumimoji="1" lang="ko-KR" altLang="en-US" sz="2400" i="0" u="none" strike="noStrike" kern="1200" cap="none" spc="0" normalizeH="0" baseline="0" noProof="0" dirty="0" smtClean="0">
+              <a:rPr kumimoji="1" lang="ko-KR" altLang="en-US" sz="2400" i="0" u="none" strike="noStrike" kern="1200" cap="none" spc="0" normalizeH="0" baseline="0" noProof="0" dirty="0">
                 <a:ln>
                   <a:noFill/>
                 </a:ln>
@@ -19926,7 +19274,7 @@
               <a:defRPr/>
             </a:pPr>
             <a:r>
-              <a:rPr kumimoji="1" lang="ko-KR" altLang="en-US" sz="2400" noProof="0" dirty="0" smtClean="0">
+              <a:rPr kumimoji="1" lang="ko-KR" altLang="en-US" sz="2400" noProof="0" dirty="0">
                 <a:solidFill>
                   <a:schemeClr val="tx1">
                     <a:lumMod val="75000"/>
@@ -20428,13 +19776,6 @@
   <p:clrMapOvr>
     <a:masterClrMapping/>
   </p:clrMapOvr>
-  <p:timing>
-    <p:tnLst>
-      <p:par>
-        <p:cTn id="1" dur="indefinite" restart="never" nodeType="tmRoot"/>
-      </p:par>
-    </p:tnLst>
-  </p:timing>
 </p:sld>
 </file>
 
@@ -22300,12 +21641,8 @@
           <a:lstStyle/>
           <a:p>
             <a:r>
-              <a:rPr lang="en-US" altLang="ko-KR" dirty="0" smtClean="0"/>
-              <a:t>[</a:t>
-            </a:r>
-            <a:r>
-              <a:rPr lang="en-US" altLang="ko-KR" dirty="0" smtClean="0"/>
-              <a:t>1]</a:t>
+              <a:rPr lang="en-US" altLang="ko-KR" dirty="0"/>
+              <a:t>[1]</a:t>
             </a:r>
             <a:endParaRPr lang="ko-KR" altLang="en-US" dirty="0"/>
           </a:p>
@@ -22334,12 +21671,8 @@
           <a:lstStyle/>
           <a:p>
             <a:r>
-              <a:rPr lang="en-US" altLang="ko-KR" dirty="0" smtClean="0"/>
-              <a:t>[</a:t>
-            </a:r>
-            <a:r>
-              <a:rPr lang="en-US" altLang="ko-KR" dirty="0" smtClean="0"/>
-              <a:t>2]</a:t>
+              <a:rPr lang="en-US" altLang="ko-KR" dirty="0"/>
+              <a:t>[2]</a:t>
             </a:r>
             <a:endParaRPr lang="ko-KR" altLang="en-US" dirty="0"/>
           </a:p>
@@ -22355,13 +21688,6 @@
   <p:clrMapOvr>
     <a:masterClrMapping/>
   </p:clrMapOvr>
-  <p:timing>
-    <p:tnLst>
-      <p:par>
-        <p:cTn id="1" dur="indefinite" restart="never" nodeType="tmRoot"/>
-      </p:par>
-    </p:tnLst>
-  </p:timing>
 </p:sld>
 </file>
 
@@ -23898,16 +23224,8 @@
           <a:lstStyle/>
           <a:p>
             <a:r>
-              <a:rPr lang="en-US" altLang="ko-KR" sz="1500" dirty="0" smtClean="0"/>
-              <a:t>[</a:t>
-            </a:r>
-            <a:r>
-              <a:rPr lang="en-US" altLang="ko-KR" sz="1500" dirty="0" smtClean="0"/>
-              <a:t>4</a:t>
-            </a:r>
-            <a:r>
               <a:rPr lang="en-US" altLang="ko-KR" sz="1500" dirty="0"/>
-              <a:t>]</a:t>
+              <a:t>[4]</a:t>
             </a:r>
             <a:endParaRPr lang="ko-KR" altLang="en-US" sz="1500" dirty="0"/>
           </a:p>
@@ -24098,16 +23416,8 @@
           <a:lstStyle/>
           <a:p>
             <a:r>
-              <a:rPr lang="en-US" altLang="ko-KR" sz="1500" dirty="0" smtClean="0"/>
-              <a:t>[</a:t>
-            </a:r>
-            <a:r>
-              <a:rPr lang="en-US" altLang="ko-KR" sz="1500" dirty="0" smtClean="0"/>
-              <a:t>3</a:t>
-            </a:r>
-            <a:r>
               <a:rPr lang="en-US" altLang="ko-KR" sz="1500" dirty="0"/>
-              <a:t>]</a:t>
+              <a:t>[3]</a:t>
             </a:r>
             <a:endParaRPr lang="ko-KR" altLang="en-US" sz="1500" dirty="0"/>
           </a:p>
@@ -24405,13 +23715,6 @@
   <p:clrMapOvr>
     <a:masterClrMapping/>
   </p:clrMapOvr>
-  <p:timing>
-    <p:tnLst>
-      <p:par>
-        <p:cTn id="1" dur="indefinite" restart="never" nodeType="tmRoot"/>
-      </p:par>
-    </p:tnLst>
-  </p:timing>
 </p:sld>
 </file>
 
@@ -25924,16 +25227,8 @@
           <a:lstStyle/>
           <a:p>
             <a:r>
-              <a:rPr lang="en-US" altLang="ko-KR" sz="1500" dirty="0" smtClean="0"/>
-              <a:t>[</a:t>
-            </a:r>
-            <a:r>
-              <a:rPr lang="en-US" altLang="ko-KR" sz="1500" dirty="0" smtClean="0"/>
-              <a:t>5</a:t>
-            </a:r>
-            <a:r>
               <a:rPr lang="en-US" altLang="ko-KR" sz="1500" dirty="0"/>
-              <a:t>]</a:t>
+              <a:t>[5]</a:t>
             </a:r>
             <a:endParaRPr lang="ko-KR" altLang="en-US" sz="1500" dirty="0"/>
           </a:p>
@@ -26158,13 +25453,6 @@
   <p:clrMapOvr>
     <a:masterClrMapping/>
   </p:clrMapOvr>
-  <p:timing>
-    <p:tnLst>
-      <p:par>
-        <p:cTn id="1" dur="indefinite" restart="never" nodeType="tmRoot"/>
-      </p:par>
-    </p:tnLst>
-  </p:timing>
 </p:sld>
 </file>
 
@@ -29091,16 +28379,8 @@
           <a:lstStyle/>
           <a:p>
             <a:r>
-              <a:rPr lang="en-US" altLang="ko-KR" dirty="0" smtClean="0"/>
-              <a:t>[</a:t>
-            </a:r>
-            <a:r>
-              <a:rPr lang="en-US" altLang="ko-KR" dirty="0" smtClean="0"/>
-              <a:t>6</a:t>
-            </a:r>
-            <a:r>
               <a:rPr lang="en-US" altLang="ko-KR" dirty="0"/>
-              <a:t>]</a:t>
+              <a:t>[6]</a:t>
             </a:r>
             <a:endParaRPr lang="ko-KR" altLang="en-US" dirty="0"/>
           </a:p>
@@ -29344,13 +28624,6 @@
   <p:clrMapOvr>
     <a:masterClrMapping/>
   </p:clrMapOvr>
-  <p:timing>
-    <p:tnLst>
-      <p:par>
-        <p:cTn id="1" dur="indefinite" restart="never" nodeType="tmRoot"/>
-      </p:par>
-    </p:tnLst>
-  </p:timing>
 </p:sld>
 </file>
 
@@ -31191,16 +30464,8 @@
           <a:lstStyle/>
           <a:p>
             <a:r>
-              <a:rPr lang="en-US" altLang="ko-KR" dirty="0" smtClean="0"/>
-              <a:t>[</a:t>
-            </a:r>
-            <a:r>
-              <a:rPr lang="en-US" altLang="ko-KR" dirty="0" smtClean="0"/>
-              <a:t>7</a:t>
-            </a:r>
-            <a:r>
               <a:rPr lang="en-US" altLang="ko-KR" dirty="0"/>
-              <a:t>]</a:t>
+              <a:t>[7]</a:t>
             </a:r>
             <a:endParaRPr lang="ko-KR" altLang="en-US" dirty="0"/>
           </a:p>
@@ -31329,13 +30594,6 @@
   <p:clrMapOvr>
     <a:masterClrMapping/>
   </p:clrMapOvr>
-  <p:timing>
-    <p:tnLst>
-      <p:par>
-        <p:cTn id="1" dur="indefinite" restart="never" nodeType="tmRoot"/>
-      </p:par>
-    </p:tnLst>
-  </p:timing>
 </p:sld>
 </file>
 
@@ -32946,16 +32204,8 @@
           <a:lstStyle/>
           <a:p>
             <a:r>
-              <a:rPr lang="en-US" altLang="ko-KR" dirty="0" smtClean="0"/>
-              <a:t>[</a:t>
-            </a:r>
-            <a:r>
-              <a:rPr lang="en-US" altLang="ko-KR" dirty="0" smtClean="0"/>
-              <a:t>8</a:t>
-            </a:r>
-            <a:r>
               <a:rPr lang="en-US" altLang="ko-KR" dirty="0"/>
-              <a:t>]</a:t>
+              <a:t>[8]</a:t>
             </a:r>
             <a:endParaRPr lang="ko-KR" altLang="en-US" dirty="0"/>
           </a:p>
@@ -33554,13 +32804,6 @@
   <p:clrMapOvr>
     <a:masterClrMapping/>
   </p:clrMapOvr>
-  <p:timing>
-    <p:tnLst>
-      <p:par>
-        <p:cTn id="1" dur="indefinite" restart="never" nodeType="tmRoot"/>
-      </p:par>
-    </p:tnLst>
-  </p:timing>
 </p:sld>
 </file>
 
@@ -33660,14 +32903,14 @@
       </p:sp>
       <p:sp>
         <p:nvSpPr>
-          <p:cNvPr id="3" name="TextBox 2"/>
+          <p:cNvPr id="27" name="TextBox 26"/>
           <p:cNvSpPr txBox="1"/>
           <p:nvPr/>
         </p:nvSpPr>
         <p:spPr>
           <a:xfrm>
-            <a:off x="387568" y="1663780"/>
-            <a:ext cx="11575832" cy="718338"/>
+            <a:off x="94160" y="3228872"/>
+            <a:ext cx="1100587" cy="338554"/>
           </a:xfrm>
           <a:prstGeom prst="rect">
             <a:avLst/>
@@ -33680,127 +32923,440 @@
           </a:bodyPr>
           <a:lstStyle/>
           <a:p>
-            <a:pPr algn="ctr">
-              <a:lnSpc>
-                <a:spcPct val="200000"/>
-              </a:lnSpc>
-            </a:pPr>
-            <a:r>
-              <a:rPr lang="en-US" altLang="ko-KR" sz="2400" b="1" dirty="0" smtClean="0">
-                <a:solidFill>
-                  <a:srgbClr val="6600FF"/>
-                </a:solidFill>
-              </a:rPr>
-              <a:t>“</a:t>
-            </a:r>
-            <a:r>
-              <a:rPr lang="en-US" altLang="ko-KR" sz="2400" b="1" u="sng" dirty="0" smtClean="0">
-                <a:solidFill>
-                  <a:srgbClr val="6600FF"/>
-                </a:solidFill>
-              </a:rPr>
-              <a:t>URL</a:t>
-            </a:r>
-            <a:r>
-              <a:rPr lang="ko-KR" altLang="en-US" sz="2400" b="1" u="sng" dirty="0" smtClean="0">
-                <a:solidFill>
-                  <a:srgbClr val="6600FF"/>
-                </a:solidFill>
-              </a:rPr>
-              <a:t>과 </a:t>
-            </a:r>
-            <a:r>
-              <a:rPr lang="en-US" altLang="ko-KR" sz="2400" b="1" u="sng" dirty="0" smtClean="0">
-                <a:solidFill>
-                  <a:srgbClr val="6600FF"/>
-                </a:solidFill>
-              </a:rPr>
-              <a:t>Image Comparison</a:t>
-            </a:r>
-            <a:r>
-              <a:rPr lang="ko-KR" altLang="en-US" sz="2400" b="1" u="sng" dirty="0" smtClean="0">
-                <a:solidFill>
-                  <a:srgbClr val="6600FF"/>
-                </a:solidFill>
-              </a:rPr>
-              <a:t>을 </a:t>
-            </a:r>
-            <a:r>
-              <a:rPr lang="ko-KR" altLang="en-US" sz="2400" b="1" u="sng" dirty="0">
-                <a:solidFill>
-                  <a:srgbClr val="6600FF"/>
-                </a:solidFill>
-              </a:rPr>
-              <a:t>이용한 </a:t>
-            </a:r>
-            <a:r>
-              <a:rPr lang="ko-KR" altLang="en-US" sz="2400" b="1" u="sng" dirty="0" smtClean="0">
-                <a:solidFill>
-                  <a:srgbClr val="6600FF"/>
-                </a:solidFill>
-              </a:rPr>
-              <a:t>웹사이트 </a:t>
-            </a:r>
-            <a:r>
-              <a:rPr lang="ko-KR" altLang="en-US" sz="2400" b="1" u="sng" dirty="0">
-                <a:solidFill>
-                  <a:srgbClr val="6600FF"/>
-                </a:solidFill>
-              </a:rPr>
-              <a:t>위</a:t>
-            </a:r>
-            <a:r>
-              <a:rPr lang="en-US" altLang="ko-KR" sz="2400" b="1" u="sng" dirty="0">
-                <a:solidFill>
-                  <a:srgbClr val="6600FF"/>
-                </a:solidFill>
-              </a:rPr>
-              <a:t>•</a:t>
-            </a:r>
-            <a:r>
-              <a:rPr lang="ko-KR" altLang="en-US" sz="2400" b="1" u="sng" dirty="0">
-                <a:solidFill>
-                  <a:srgbClr val="6600FF"/>
-                </a:solidFill>
-              </a:rPr>
-              <a:t>변조 탐지 및 알림 </a:t>
-            </a:r>
-            <a:r>
-              <a:rPr lang="ko-KR" altLang="en-US" sz="2400" b="1" u="sng" dirty="0" smtClean="0">
-                <a:solidFill>
-                  <a:srgbClr val="6600FF"/>
-                </a:solidFill>
-              </a:rPr>
-              <a:t>서비스</a:t>
-            </a:r>
-            <a:r>
-              <a:rPr lang="en-US" altLang="ko-KR" sz="2400" b="1" dirty="0" smtClean="0">
-                <a:solidFill>
-                  <a:srgbClr val="6600FF"/>
-                </a:solidFill>
-              </a:rPr>
-              <a:t>”</a:t>
+            <a:r>
+              <a:rPr lang="en-US" altLang="ko-KR" sz="1600" dirty="0"/>
+              <a:t>URL </a:t>
+            </a:r>
+            <a:r>
+              <a:rPr lang="ko-KR" altLang="en-US" sz="1600" dirty="0"/>
+              <a:t>일치</a:t>
+            </a:r>
+            <a:r>
+              <a:rPr lang="en-US" altLang="ko-KR" sz="1600" dirty="0"/>
+              <a:t>?</a:t>
+            </a:r>
+            <a:r>
+              <a:rPr lang="ko-KR" altLang="en-US" sz="1600" dirty="0"/>
+              <a:t> </a:t>
             </a:r>
           </a:p>
         </p:txBody>
       </p:sp>
       <p:sp>
         <p:nvSpPr>
-          <p:cNvPr id="4" name="직사각형 3"/>
+          <p:cNvPr id="28" name="TextBox 27"/>
+          <p:cNvSpPr txBox="1"/>
+          <p:nvPr/>
+        </p:nvSpPr>
+        <p:spPr>
+          <a:xfrm>
+            <a:off x="7221968" y="4290350"/>
+            <a:ext cx="2101146" cy="369332"/>
+          </a:xfrm>
+          <a:prstGeom prst="rect">
+            <a:avLst/>
+          </a:prstGeom>
+          <a:noFill/>
+        </p:spPr>
+        <p:txBody>
+          <a:bodyPr wrap="square" rtlCol="0">
+            <a:spAutoFit/>
+          </a:bodyPr>
+          <a:lstStyle/>
+          <a:p>
+            <a:r>
+              <a:rPr lang="en-US" altLang="ko-KR" err="1"/>
+              <a:t>dHash</a:t>
+            </a:r>
+            <a:r>
+              <a:rPr lang="en-US" altLang="ko-KR" dirty="0"/>
+              <a:t> </a:t>
+            </a:r>
+            <a:r>
+              <a:rPr lang="ko-KR" altLang="en-US" dirty="0"/>
+              <a:t>알고리즘</a:t>
+            </a:r>
+          </a:p>
+        </p:txBody>
+      </p:sp>
+      <p:sp>
+        <p:nvSpPr>
+          <p:cNvPr id="29" name="TextBox 28"/>
+          <p:cNvSpPr txBox="1"/>
+          <p:nvPr/>
+        </p:nvSpPr>
+        <p:spPr>
+          <a:xfrm>
+            <a:off x="10400986" y="3693984"/>
+            <a:ext cx="1440160" cy="369332"/>
+          </a:xfrm>
+          <a:prstGeom prst="rect">
+            <a:avLst/>
+          </a:prstGeom>
+          <a:noFill/>
+        </p:spPr>
+        <p:txBody>
+          <a:bodyPr wrap="square" rtlCol="0">
+            <a:spAutoFit/>
+          </a:bodyPr>
+          <a:lstStyle/>
+          <a:p>
+            <a:r>
+              <a:rPr lang="ko-KR" altLang="en-US" dirty="0"/>
+              <a:t>유사도 분석</a:t>
+            </a:r>
+          </a:p>
+        </p:txBody>
+      </p:sp>
+      <p:sp>
+        <p:nvSpPr>
+          <p:cNvPr id="30" name="TextBox 29"/>
+          <p:cNvSpPr txBox="1"/>
+          <p:nvPr/>
+        </p:nvSpPr>
+        <p:spPr>
+          <a:xfrm>
+            <a:off x="592176" y="5844319"/>
+            <a:ext cx="10879388" cy="400110"/>
+          </a:xfrm>
+          <a:prstGeom prst="rect">
+            <a:avLst/>
+          </a:prstGeom>
+          <a:noFill/>
+        </p:spPr>
+        <p:txBody>
+          <a:bodyPr wrap="square" rtlCol="0">
+            <a:spAutoFit/>
+          </a:bodyPr>
+          <a:lstStyle/>
+          <a:p>
+            <a:r>
+              <a:rPr lang="en-US" altLang="ko-KR" sz="2000" dirty="0"/>
+              <a:t>☞ Inception V3</a:t>
+            </a:r>
+            <a:r>
+              <a:rPr lang="ko-KR" altLang="en-US" sz="2000" dirty="0"/>
+              <a:t>로 나온 </a:t>
+            </a:r>
+            <a:r>
+              <a:rPr lang="ko-KR" altLang="en-US" sz="2000" dirty="0" err="1"/>
+              <a:t>유사도와</a:t>
+            </a:r>
+            <a:r>
+              <a:rPr lang="ko-KR" altLang="en-US" sz="2000" dirty="0"/>
+              <a:t> </a:t>
+            </a:r>
+            <a:r>
+              <a:rPr lang="en-US" altLang="ko-KR" sz="2000" dirty="0" err="1"/>
+              <a:t>dHash</a:t>
+            </a:r>
+            <a:r>
+              <a:rPr lang="en-US" altLang="ko-KR" sz="2000" dirty="0"/>
+              <a:t> </a:t>
+            </a:r>
+            <a:r>
+              <a:rPr lang="ko-KR" altLang="en-US" sz="2000" dirty="0"/>
+              <a:t>알고리즘을 사용하여 </a:t>
+            </a:r>
+            <a:r>
+              <a:rPr lang="ko-KR" altLang="en-US" sz="2000" b="1" dirty="0">
+                <a:solidFill>
+                  <a:srgbClr val="F23B48"/>
+                </a:solidFill>
+              </a:rPr>
+              <a:t>더 정확한 이미지 유사도 검출</a:t>
+            </a:r>
+          </a:p>
+        </p:txBody>
+      </p:sp>
+      <p:sp>
+        <p:nvSpPr>
+          <p:cNvPr id="31" name="TextBox 30"/>
+          <p:cNvSpPr txBox="1"/>
+          <p:nvPr/>
+        </p:nvSpPr>
+        <p:spPr>
+          <a:xfrm>
+            <a:off x="2144264" y="4364169"/>
+            <a:ext cx="2625581" cy="369332"/>
+          </a:xfrm>
+          <a:prstGeom prst="rect">
+            <a:avLst/>
+          </a:prstGeom>
+          <a:noFill/>
+        </p:spPr>
+        <p:txBody>
+          <a:bodyPr wrap="square" rtlCol="0">
+            <a:spAutoFit/>
+          </a:bodyPr>
+          <a:lstStyle/>
+          <a:p>
+            <a:r>
+              <a:rPr lang="en-US" altLang="ko-KR" dirty="0"/>
+              <a:t>Inception-v3 </a:t>
+            </a:r>
+            <a:r>
+              <a:rPr lang="ko-KR" altLang="en-US" dirty="0"/>
+              <a:t>알고리즘</a:t>
+            </a:r>
+          </a:p>
+        </p:txBody>
+      </p:sp>
+      <p:pic>
+        <p:nvPicPr>
+          <p:cNvPr id="32" name="Picture 2" descr="inception v3ì ëí ì´ë¯¸ì§ ê²ìê²°ê³¼">
+            <a:extLst>
+              <a:ext uri="{FF2B5EF4-FFF2-40B4-BE49-F238E27FC236}">
+                <a16:creationId xmlns:a16="http://schemas.microsoft.com/office/drawing/2014/main" id="{EEA26B26-EA9B-44C6-94F6-52D970AFBA71}"/>
+              </a:ext>
+            </a:extLst>
+          </p:cNvPr>
+          <p:cNvPicPr>
+            <a:picLocks noChangeAspect="1" noChangeArrowheads="1"/>
+          </p:cNvPicPr>
+          <p:nvPr/>
+        </p:nvPicPr>
+        <p:blipFill>
+          <a:blip r:embed="rId2">
+            <a:extLst>
+              <a:ext uri="{28A0092B-C50C-407E-A947-70E740481C1C}">
+                <a14:useLocalDpi xmlns:a14="http://schemas.microsoft.com/office/drawing/2010/main" val="0"/>
+              </a:ext>
+            </a:extLst>
+          </a:blip>
+          <a:srcRect/>
+          <a:stretch>
+            <a:fillRect/>
+          </a:stretch>
+        </p:blipFill>
+        <p:spPr bwMode="auto">
+          <a:xfrm>
+            <a:off x="2144265" y="2288317"/>
+            <a:ext cx="2625581" cy="891065"/>
+          </a:xfrm>
+          <a:prstGeom prst="rect">
+            <a:avLst/>
+          </a:prstGeom>
+          <a:noFill/>
+          <a:extLst>
+            <a:ext uri="{909E8E84-426E-40DD-AFC4-6F175D3DCCD1}">
+              <a14:hiddenFill xmlns:a14="http://schemas.microsoft.com/office/drawing/2010/main">
+                <a:solidFill>
+                  <a:srgbClr val="FFFFFF"/>
+                </a:solidFill>
+              </a14:hiddenFill>
+            </a:ext>
+          </a:extLst>
+        </p:spPr>
+      </p:pic>
+      <p:sp>
+        <p:nvSpPr>
+          <p:cNvPr id="33" name="오른쪽 화살표 22">
+            <a:extLst>
+              <a:ext uri="{FF2B5EF4-FFF2-40B4-BE49-F238E27FC236}">
+                <a16:creationId xmlns:a16="http://schemas.microsoft.com/office/drawing/2014/main" id="{047F8257-CA38-4A6C-84DD-2299D22F512D}"/>
+              </a:ext>
+            </a:extLst>
+          </p:cNvPr>
           <p:cNvSpPr/>
           <p:nvPr/>
         </p:nvSpPr>
         <p:spPr>
           <a:xfrm>
-            <a:off x="211015" y="1574020"/>
-            <a:ext cx="11828585" cy="3759980"/>
+            <a:off x="9717600" y="3611444"/>
+            <a:ext cx="710231" cy="528810"/>
+          </a:xfrm>
+          <a:prstGeom prst="rightArrow">
+            <a:avLst/>
+          </a:prstGeom>
+          <a:solidFill>
+            <a:srgbClr val="00BBD6"/>
+          </a:solidFill>
+        </p:spPr>
+        <p:style>
+          <a:lnRef idx="2">
+            <a:schemeClr val="accent1">
+              <a:shade val="50000"/>
+            </a:schemeClr>
+          </a:lnRef>
+          <a:fillRef idx="1">
+            <a:schemeClr val="accent1"/>
+          </a:fillRef>
+          <a:effectRef idx="0">
+            <a:schemeClr val="accent1"/>
+          </a:effectRef>
+          <a:fontRef idx="minor">
+            <a:schemeClr val="lt1"/>
+          </a:fontRef>
+        </p:style>
+        <p:txBody>
+          <a:bodyPr rtlCol="0" anchor="ctr"/>
+          <a:lstStyle/>
+          <a:p>
+            <a:pPr algn="ctr"/>
+            <a:endParaRPr lang="ko-KR" altLang="en-US">
+              <a:solidFill>
+                <a:srgbClr val="00BBD6"/>
+              </a:solidFill>
+            </a:endParaRPr>
+          </a:p>
+        </p:txBody>
+      </p:sp>
+      <p:pic>
+        <p:nvPicPr>
+          <p:cNvPr id="34" name="Picture 4" descr="imagehash pythonì ëí ì´ë¯¸ì§ ê²ìê²°ê³¼">
+            <a:extLst>
+              <a:ext uri="{FF2B5EF4-FFF2-40B4-BE49-F238E27FC236}">
+                <a16:creationId xmlns:a16="http://schemas.microsoft.com/office/drawing/2014/main" id="{0327C955-863D-492A-9EC1-9D2BD991FAB8}"/>
+              </a:ext>
+            </a:extLst>
+          </p:cNvPr>
+          <p:cNvPicPr>
+            <a:picLocks noChangeAspect="1" noChangeArrowheads="1"/>
+          </p:cNvPicPr>
+          <p:nvPr/>
+        </p:nvPicPr>
+        <p:blipFill>
+          <a:blip r:embed="rId3" cstate="print">
+            <a:extLst>
+              <a:ext uri="{28A0092B-C50C-407E-A947-70E740481C1C}">
+                <a14:useLocalDpi xmlns:a14="http://schemas.microsoft.com/office/drawing/2010/main" val="0"/>
+              </a:ext>
+            </a:extLst>
+          </a:blip>
+          <a:srcRect/>
+          <a:stretch>
+            <a:fillRect/>
+          </a:stretch>
+        </p:blipFill>
+        <p:spPr bwMode="auto">
+          <a:xfrm>
+            <a:off x="6822531" y="3417332"/>
+            <a:ext cx="2716798" cy="808318"/>
           </a:xfrm>
           <a:prstGeom prst="rect">
             <a:avLst/>
           </a:prstGeom>
           <a:noFill/>
-          <a:ln>
-            <a:noFill/>
+          <a:extLst>
+            <a:ext uri="{909E8E84-426E-40DD-AFC4-6F175D3DCCD1}">
+              <a14:hiddenFill xmlns:a14="http://schemas.microsoft.com/office/drawing/2010/main">
+                <a:solidFill>
+                  <a:srgbClr val="FFFFFF"/>
+                </a:solidFill>
+              </a14:hiddenFill>
+            </a:ext>
+          </a:extLst>
+        </p:spPr>
+      </p:pic>
+      <p:sp>
+        <p:nvSpPr>
+          <p:cNvPr id="35" name="TextBox 34">
+            <a:extLst>
+              <a:ext uri="{FF2B5EF4-FFF2-40B4-BE49-F238E27FC236}">
+                <a16:creationId xmlns:a16="http://schemas.microsoft.com/office/drawing/2014/main" id="{ED871A33-664D-4F34-A132-ECE717A905FE}"/>
+              </a:ext>
+            </a:extLst>
+          </p:cNvPr>
+          <p:cNvSpPr txBox="1"/>
+          <p:nvPr/>
+        </p:nvSpPr>
+        <p:spPr>
+          <a:xfrm>
+            <a:off x="325997" y="3955588"/>
+            <a:ext cx="887714" cy="369332"/>
+          </a:xfrm>
+          <a:prstGeom prst="rect">
+            <a:avLst/>
+          </a:prstGeom>
+          <a:noFill/>
+        </p:spPr>
+        <p:txBody>
+          <a:bodyPr wrap="square" rtlCol="0">
+            <a:spAutoFit/>
+          </a:bodyPr>
+          <a:lstStyle/>
+          <a:p>
+            <a:r>
+              <a:rPr lang="en-US" altLang="ko-KR" dirty="0"/>
+              <a:t>YES</a:t>
+            </a:r>
+            <a:endParaRPr lang="ko-KR" altLang="en-US" dirty="0"/>
+          </a:p>
+        </p:txBody>
+      </p:sp>
+      <p:pic>
+        <p:nvPicPr>
+          <p:cNvPr id="36" name="Picture 6" descr="inception v3 êµ¬ì¡°ì ëí ì´ë¯¸ì§ ê²ìê²°ê³¼">
+            <a:extLst>
+              <a:ext uri="{FF2B5EF4-FFF2-40B4-BE49-F238E27FC236}">
+                <a16:creationId xmlns:a16="http://schemas.microsoft.com/office/drawing/2014/main" id="{C5949E50-56ED-46EF-BCCA-FD2C9B3A0D27}"/>
+              </a:ext>
+            </a:extLst>
+          </p:cNvPr>
+          <p:cNvPicPr>
+            <a:picLocks noChangeAspect="1" noChangeArrowheads="1"/>
+          </p:cNvPicPr>
+          <p:nvPr/>
+        </p:nvPicPr>
+        <p:blipFill>
+          <a:blip r:embed="rId4" cstate="print">
+            <a:extLst>
+              <a:ext uri="{28A0092B-C50C-407E-A947-70E740481C1C}">
+                <a14:useLocalDpi xmlns:a14="http://schemas.microsoft.com/office/drawing/2010/main" val="0"/>
+              </a:ext>
+            </a:extLst>
+          </a:blip>
+          <a:srcRect/>
+          <a:stretch>
+            <a:fillRect/>
+          </a:stretch>
+        </p:blipFill>
+        <p:spPr bwMode="auto">
+          <a:xfrm>
+            <a:off x="1413810" y="3169403"/>
+            <a:ext cx="4190702" cy="1203190"/>
+          </a:xfrm>
+          <a:prstGeom prst="rect">
+            <a:avLst/>
+          </a:prstGeom>
+          <a:noFill/>
+          <a:extLst>
+            <a:ext uri="{909E8E84-426E-40DD-AFC4-6F175D3DCCD1}">
+              <a14:hiddenFill xmlns:a14="http://schemas.microsoft.com/office/drawing/2010/main">
+                <a:solidFill>
+                  <a:srgbClr val="FFFFFF"/>
+                </a:solidFill>
+              </a14:hiddenFill>
+            </a:ext>
+          </a:extLst>
+        </p:spPr>
+      </p:pic>
+      <p:sp>
+        <p:nvSpPr>
+          <p:cNvPr id="37" name="직사각형 36">
+            <a:extLst>
+              <a:ext uri="{FF2B5EF4-FFF2-40B4-BE49-F238E27FC236}">
+                <a16:creationId xmlns:a16="http://schemas.microsoft.com/office/drawing/2014/main" id="{8E3E3327-05EB-4DA0-AD86-4D6C46BDC907}"/>
+              </a:ext>
+            </a:extLst>
+          </p:cNvPr>
+          <p:cNvSpPr/>
+          <p:nvPr/>
+        </p:nvSpPr>
+        <p:spPr>
+          <a:xfrm>
+            <a:off x="1272833" y="2018774"/>
+            <a:ext cx="8346271" cy="3350420"/>
+          </a:xfrm>
+          <a:prstGeom prst="rect">
+            <a:avLst/>
+          </a:prstGeom>
+          <a:noFill/>
+          <a:ln w="28575">
+            <a:solidFill>
+              <a:srgbClr val="00B050"/>
+            </a:solidFill>
           </a:ln>
         </p:spPr>
         <p:style>
@@ -33830,19 +33386,27 @@
       </p:sp>
       <p:sp>
         <p:nvSpPr>
-          <p:cNvPr id="5" name="TextBox 4"/>
+          <p:cNvPr id="38" name="TextBox 37">
+            <a:extLst>
+              <a:ext uri="{FF2B5EF4-FFF2-40B4-BE49-F238E27FC236}">
+                <a16:creationId xmlns:a16="http://schemas.microsoft.com/office/drawing/2014/main" id="{FBF04B30-DB04-4C07-8B8E-78487522E50B}"/>
+              </a:ext>
+            </a:extLst>
+          </p:cNvPr>
           <p:cNvSpPr txBox="1"/>
           <p:nvPr/>
         </p:nvSpPr>
         <p:spPr>
           <a:xfrm>
-            <a:off x="1086137" y="2690622"/>
-            <a:ext cx="9699094" cy="2831544"/>
+            <a:off x="4361227" y="1583450"/>
+            <a:ext cx="2298610" cy="369332"/>
           </a:xfrm>
           <a:prstGeom prst="rect">
             <a:avLst/>
           </a:prstGeom>
-          <a:noFill/>
+          <a:solidFill>
+            <a:schemeClr val="accent6"/>
+          </a:solidFill>
         </p:spPr>
         <p:txBody>
           <a:bodyPr wrap="square" rtlCol="0">
@@ -33850,176 +33414,127 @@
           </a:bodyPr>
           <a:lstStyle/>
           <a:p>
-            <a:pPr marL="800100" lvl="1" indent="-342900" algn="just">
-              <a:lnSpc>
-                <a:spcPct val="200000"/>
-              </a:lnSpc>
-              <a:buFont typeface="Wingdings" panose="05000000000000000000" pitchFamily="2" charset="2"/>
-              <a:buChar char="ü"/>
-            </a:pPr>
-            <a:r>
-              <a:rPr lang="ko-KR" altLang="en-US" sz="2000" dirty="0">
-                <a:solidFill>
-                  <a:srgbClr val="002060"/>
-                </a:solidFill>
-              </a:rPr>
-              <a:t>기존 연구에 사용 되었던 </a:t>
-            </a:r>
-            <a:r>
-              <a:rPr lang="en-US" altLang="ko-KR" sz="2000" dirty="0">
-                <a:solidFill>
-                  <a:srgbClr val="002060"/>
-                </a:solidFill>
-              </a:rPr>
-              <a:t>Feature Matching</a:t>
-            </a:r>
-            <a:r>
-              <a:rPr lang="ko-KR" altLang="en-US" sz="2000" dirty="0">
-                <a:solidFill>
-                  <a:srgbClr val="002060"/>
-                </a:solidFill>
-              </a:rPr>
-              <a:t>의 단점 보완</a:t>
-            </a:r>
-            <a:endParaRPr lang="en-US" altLang="ko-KR" sz="2000" dirty="0">
+            <a:r>
+              <a:rPr lang="ko-KR" altLang="en-US" dirty="0"/>
+              <a:t>유사도 비교 </a:t>
+            </a:r>
+            <a:r>
+              <a:rPr lang="en-US" altLang="ko-KR" dirty="0"/>
+              <a:t>process</a:t>
+            </a:r>
+            <a:endParaRPr lang="ko-KR" altLang="en-US" dirty="0"/>
+          </a:p>
+        </p:txBody>
+      </p:sp>
+      <p:sp>
+        <p:nvSpPr>
+          <p:cNvPr id="39" name="오른쪽 화살표 22">
+            <a:extLst>
+              <a:ext uri="{FF2B5EF4-FFF2-40B4-BE49-F238E27FC236}">
+                <a16:creationId xmlns:a16="http://schemas.microsoft.com/office/drawing/2014/main" id="{E764C312-A760-400C-82C9-8AE8F7B8A893}"/>
+              </a:ext>
+            </a:extLst>
+          </p:cNvPr>
+          <p:cNvSpPr/>
+          <p:nvPr/>
+        </p:nvSpPr>
+        <p:spPr>
+          <a:xfrm>
+            <a:off x="5767205" y="3589755"/>
+            <a:ext cx="892632" cy="528810"/>
+          </a:xfrm>
+          <a:prstGeom prst="rightArrow">
+            <a:avLst/>
+          </a:prstGeom>
+          <a:solidFill>
+            <a:srgbClr val="00BBD6"/>
+          </a:solidFill>
+        </p:spPr>
+        <p:style>
+          <a:lnRef idx="2">
+            <a:schemeClr val="accent1">
+              <a:shade val="50000"/>
+            </a:schemeClr>
+          </a:lnRef>
+          <a:fillRef idx="1">
+            <a:schemeClr val="accent1"/>
+          </a:fillRef>
+          <a:effectRef idx="0">
+            <a:schemeClr val="accent1"/>
+          </a:effectRef>
+          <a:fontRef idx="minor">
+            <a:schemeClr val="lt1"/>
+          </a:fontRef>
+        </p:style>
+        <p:txBody>
+          <a:bodyPr rtlCol="0" anchor="ctr"/>
+          <a:lstStyle/>
+          <a:p>
+            <a:pPr algn="ctr"/>
+            <a:endParaRPr lang="ko-KR" altLang="en-US">
               <a:solidFill>
-                <a:srgbClr val="002060"/>
+                <a:srgbClr val="00BBD6"/>
               </a:solidFill>
             </a:endParaRPr>
           </a:p>
+        </p:txBody>
+      </p:sp>
+      <p:sp>
+        <p:nvSpPr>
+          <p:cNvPr id="40" name="오른쪽 화살표 22">
+            <a:extLst>
+              <a:ext uri="{FF2B5EF4-FFF2-40B4-BE49-F238E27FC236}">
+                <a16:creationId xmlns:a16="http://schemas.microsoft.com/office/drawing/2014/main" id="{5659594D-A0E0-4982-8557-85009C6BA98D}"/>
+              </a:ext>
+            </a:extLst>
+          </p:cNvPr>
+          <p:cNvSpPr/>
+          <p:nvPr/>
+        </p:nvSpPr>
+        <p:spPr>
+          <a:xfrm>
+            <a:off x="236422" y="3530638"/>
+            <a:ext cx="892632" cy="528810"/>
+          </a:xfrm>
+          <a:prstGeom prst="rightArrow">
+            <a:avLst/>
+          </a:prstGeom>
+          <a:solidFill>
+            <a:srgbClr val="00BBD6"/>
+          </a:solidFill>
+        </p:spPr>
+        <p:style>
+          <a:lnRef idx="2">
+            <a:schemeClr val="accent1">
+              <a:shade val="50000"/>
+            </a:schemeClr>
+          </a:lnRef>
+          <a:fillRef idx="1">
+            <a:schemeClr val="accent1"/>
+          </a:fillRef>
+          <a:effectRef idx="0">
+            <a:schemeClr val="accent1"/>
+          </a:effectRef>
+          <a:fontRef idx="minor">
+            <a:schemeClr val="lt1"/>
+          </a:fontRef>
+        </p:style>
+        <p:txBody>
+          <a:bodyPr rtlCol="0" anchor="ctr"/>
+          <a:lstStyle/>
           <a:p>
-            <a:pPr marL="800100" lvl="1" indent="-342900" algn="just">
-              <a:lnSpc>
-                <a:spcPct val="200000"/>
-              </a:lnSpc>
-              <a:buFont typeface="Wingdings" panose="05000000000000000000" pitchFamily="2" charset="2"/>
-              <a:buChar char="ü"/>
-            </a:pPr>
-            <a:r>
-              <a:rPr lang="ko-KR" altLang="en-US" sz="2000" dirty="0">
-                <a:solidFill>
-                  <a:srgbClr val="002060"/>
-                </a:solidFill>
-              </a:rPr>
-              <a:t>탐지를 위한 </a:t>
-            </a:r>
-            <a:r>
-              <a:rPr lang="en-US" altLang="ko-KR" sz="2000" dirty="0">
-                <a:solidFill>
-                  <a:srgbClr val="002060"/>
-                </a:solidFill>
-              </a:rPr>
-              <a:t>Parameter</a:t>
-            </a:r>
-            <a:r>
-              <a:rPr lang="ko-KR" altLang="en-US" sz="2000" dirty="0">
-                <a:solidFill>
-                  <a:srgbClr val="002060"/>
-                </a:solidFill>
-              </a:rPr>
-              <a:t>로 </a:t>
-            </a:r>
-            <a:r>
-              <a:rPr lang="en-US" altLang="ko-KR" sz="2000" dirty="0">
-                <a:solidFill>
-                  <a:srgbClr val="002060"/>
-                </a:solidFill>
-              </a:rPr>
-              <a:t>URL</a:t>
-            </a:r>
-            <a:r>
-              <a:rPr lang="ko-KR" altLang="en-US" sz="2000" dirty="0">
-                <a:solidFill>
-                  <a:srgbClr val="002060"/>
-                </a:solidFill>
-              </a:rPr>
-              <a:t>만 사용했을 때의 결점을 보완  </a:t>
-            </a:r>
-            <a:endParaRPr lang="en-US" altLang="ko-KR" sz="2000" dirty="0">
+            <a:pPr algn="ctr"/>
+            <a:endParaRPr lang="ko-KR" altLang="en-US">
               <a:solidFill>
-                <a:srgbClr val="002060"/>
+                <a:srgbClr val="00BBD6"/>
               </a:solidFill>
             </a:endParaRPr>
-          </a:p>
-          <a:p>
-            <a:pPr marL="800100" lvl="1" indent="-342900" algn="just">
-              <a:lnSpc>
-                <a:spcPct val="200000"/>
-              </a:lnSpc>
-              <a:buFont typeface="Wingdings" panose="05000000000000000000" pitchFamily="2" charset="2"/>
-              <a:buChar char="ü"/>
-            </a:pPr>
-            <a:r>
-              <a:rPr lang="ko-KR" altLang="en-US" sz="2000" dirty="0">
-                <a:solidFill>
-                  <a:srgbClr val="002060"/>
-                </a:solidFill>
-              </a:rPr>
-              <a:t>복합적인 필터를 이용한 </a:t>
-            </a:r>
-            <a:r>
-              <a:rPr lang="en-US" altLang="ko-KR" sz="2000" dirty="0">
-                <a:solidFill>
-                  <a:srgbClr val="002060"/>
-                </a:solidFill>
-              </a:rPr>
-              <a:t>Inception V3</a:t>
-            </a:r>
-            <a:r>
-              <a:rPr lang="ko-KR" altLang="en-US" sz="2000" dirty="0">
-                <a:solidFill>
-                  <a:srgbClr val="002060"/>
-                </a:solidFill>
-              </a:rPr>
-              <a:t>를 사용하여 보다 정교한 이미지 비교</a:t>
-            </a:r>
-            <a:endParaRPr lang="en-US" altLang="ko-KR" sz="2000" dirty="0">
-              <a:solidFill>
-                <a:srgbClr val="002060"/>
-              </a:solidFill>
-            </a:endParaRPr>
-          </a:p>
-          <a:p>
-            <a:pPr marL="800100" lvl="1" indent="-342900" algn="just">
-              <a:lnSpc>
-                <a:spcPct val="200000"/>
-              </a:lnSpc>
-              <a:buFont typeface="Wingdings" panose="05000000000000000000" pitchFamily="2" charset="2"/>
-              <a:buChar char="ü"/>
-            </a:pPr>
-            <a:r>
-              <a:rPr lang="en-US" altLang="ko-KR" sz="2000" dirty="0" err="1">
-                <a:solidFill>
-                  <a:srgbClr val="002060"/>
-                </a:solidFill>
-              </a:rPr>
-              <a:t>dHash</a:t>
-            </a:r>
-            <a:r>
-              <a:rPr lang="en-US" altLang="ko-KR" sz="2000" dirty="0">
-                <a:solidFill>
-                  <a:srgbClr val="002060"/>
-                </a:solidFill>
-              </a:rPr>
-              <a:t> </a:t>
-            </a:r>
-            <a:r>
-              <a:rPr lang="ko-KR" altLang="en-US" sz="2000" dirty="0">
-                <a:solidFill>
-                  <a:srgbClr val="002060"/>
-                </a:solidFill>
-              </a:rPr>
-              <a:t>알고리즘을 이용한 이미지 유사도 정확성 개선</a:t>
-            </a:r>
-          </a:p>
-          <a:p>
-            <a:endParaRPr lang="ko-KR" altLang="en-US" dirty="0"/>
           </a:p>
         </p:txBody>
       </p:sp>
       <p:grpSp>
         <p:nvGrpSpPr>
-          <p:cNvPr id="6" name="组合 1"/>
+          <p:cNvPr id="41" name="组合 1"/>
           <p:cNvGrpSpPr/>
           <p:nvPr/>
         </p:nvGrpSpPr>
@@ -34033,7 +33548,7 @@
         </p:grpSpPr>
         <p:grpSp>
           <p:nvGrpSpPr>
-            <p:cNvPr id="7" name="组合 2"/>
+            <p:cNvPr id="42" name="组合 2"/>
             <p:cNvGrpSpPr/>
             <p:nvPr/>
           </p:nvGrpSpPr>
@@ -34047,7 +33562,7 @@
           </p:grpSpPr>
           <p:sp>
             <p:nvSpPr>
-              <p:cNvPr id="10" name="椭圆 6"/>
+              <p:cNvPr id="45" name="椭圆 6"/>
               <p:cNvSpPr/>
               <p:nvPr/>
             </p:nvSpPr>
@@ -34102,7 +33617,7 @@
           </p:sp>
           <p:sp>
             <p:nvSpPr>
-              <p:cNvPr id="11" name="椭圆 7"/>
+              <p:cNvPr id="46" name="椭圆 7"/>
               <p:cNvSpPr/>
               <p:nvPr/>
             </p:nvSpPr>
@@ -34156,7 +33671,7 @@
           </p:sp>
           <p:sp>
             <p:nvSpPr>
-              <p:cNvPr id="12" name="椭圆 8"/>
+              <p:cNvPr id="47" name="椭圆 8"/>
               <p:cNvSpPr/>
               <p:nvPr/>
             </p:nvSpPr>
@@ -34212,7 +33727,7 @@
           </p:sp>
           <p:sp>
             <p:nvSpPr>
-              <p:cNvPr id="13" name="椭圆 9"/>
+              <p:cNvPr id="48" name="椭圆 9"/>
               <p:cNvSpPr/>
               <p:nvPr/>
             </p:nvSpPr>
@@ -34269,7 +33784,7 @@
         </p:grpSp>
         <p:sp>
           <p:nvSpPr>
-            <p:cNvPr id="8" name="文本框 8"/>
+            <p:cNvPr id="43" name="文本框 8"/>
             <p:cNvSpPr txBox="1"/>
             <p:nvPr/>
           </p:nvSpPr>
@@ -34401,7 +33916,7 @@
                 <a:defRPr/>
               </a:pPr>
               <a:r>
-                <a:rPr kumimoji="1" lang="ko-KR" altLang="en-US" sz="3200" b="1" dirty="0" smtClean="0">
+                <a:rPr kumimoji="1" lang="ko-KR" altLang="en-US" sz="3200" b="1" dirty="0">
                   <a:solidFill>
                     <a:schemeClr val="tx1">
                       <a:lumMod val="75000"/>
@@ -34416,7 +33931,7 @@
                 <a:t>주제 제안 </a:t>
               </a:r>
               <a:r>
-                <a:rPr kumimoji="1" lang="en-US" altLang="ko-KR" sz="3200" b="1" dirty="0" smtClean="0">
+                <a:rPr kumimoji="1" lang="en-US" altLang="ko-KR" sz="3200" b="1">
                   <a:solidFill>
                     <a:schemeClr val="tx1">
                       <a:lumMod val="75000"/>
@@ -34453,7 +33968,7 @@
         </p:sp>
         <p:cxnSp>
           <p:nvCxnSpPr>
-            <p:cNvPr id="9" name="直接连接符 5"/>
+            <p:cNvPr id="44" name="直接连接符 5"/>
             <p:cNvCxnSpPr/>
             <p:nvPr/>
           </p:nvCxnSpPr>
@@ -34491,7 +34006,7 @@
       </p:grpSp>
       <p:cxnSp>
         <p:nvCxnSpPr>
-          <p:cNvPr id="14" name="직선 연결선 13"/>
+          <p:cNvPr id="49" name="직선 연결선 48"/>
           <p:cNvCxnSpPr/>
           <p:nvPr/>
         </p:nvCxnSpPr>
@@ -34522,20 +34037,13 @@
     </p:spTree>
     <p:extLst>
       <p:ext uri="{BB962C8B-B14F-4D97-AF65-F5344CB8AC3E}">
-        <p14:creationId xmlns:p14="http://schemas.microsoft.com/office/powerpoint/2010/main" val="3543644028"/>
+        <p14:creationId xmlns:p14="http://schemas.microsoft.com/office/powerpoint/2010/main" val="1311663866"/>
       </p:ext>
     </p:extLst>
   </p:cSld>
   <p:clrMapOvr>
     <a:masterClrMapping/>
   </p:clrMapOvr>
-  <p:timing>
-    <p:tnLst>
-      <p:par>
-        <p:cTn id="1" dur="indefinite" restart="never" nodeType="tmRoot"/>
-      </p:par>
-    </p:tnLst>
-  </p:timing>
 </p:sld>
 </file>
 
